--- a/power-point/6-classes.pptx
+++ b/power-point/6-classes.pptx
@@ -1942,7 +1942,7 @@
           </a:ln>
           <a:extLst>
             <a:ext uri="{C572A759-6A51-4108-AA02-DFA0A04FC94B}">
-              <ma14:wrappingTextBoxFlag xmlns:ma14="http://schemas.microsoft.com/office/mac/drawingml/2011/main" xmlns:a14="http://schemas.microsoft.com/office/drawing/2010/main" xmlns:m="http://schemas.openxmlformats.org/officeDocument/2006/math" xmlns="" val="1"/>
+              <ma14:wrappingTextBoxFlag xmlns="" xmlns:m="http://schemas.openxmlformats.org/officeDocument/2006/math" xmlns:a14="http://schemas.microsoft.com/office/drawing/2010/main" xmlns:ma14="http://schemas.microsoft.com/office/mac/drawingml/2011/main" val="1"/>
             </a:ext>
           </a:extLst>
         </p:spPr>
@@ -1981,7 +1981,7 @@
           </a:ln>
           <a:extLst>
             <a:ext uri="{C572A759-6A51-4108-AA02-DFA0A04FC94B}">
-              <ma14:wrappingTextBoxFlag xmlns:ma14="http://schemas.microsoft.com/office/mac/drawingml/2011/main" xmlns:a14="http://schemas.microsoft.com/office/drawing/2010/main" xmlns:m="http://schemas.openxmlformats.org/officeDocument/2006/math" xmlns="" val="1"/>
+              <ma14:wrappingTextBoxFlag xmlns="" xmlns:m="http://schemas.openxmlformats.org/officeDocument/2006/math" xmlns:a14="http://schemas.microsoft.com/office/drawing/2010/main" xmlns:ma14="http://schemas.microsoft.com/office/mac/drawingml/2011/main" val="1"/>
             </a:ext>
           </a:extLst>
         </p:spPr>
@@ -2934,7 +2934,7 @@
           </a:ln>
           <a:extLst>
             <a:ext uri="{C572A759-6A51-4108-AA02-DFA0A04FC94B}">
-              <ma14:wrappingTextBoxFlag xmlns:ma14="http://schemas.microsoft.com/office/mac/drawingml/2011/main" xmlns:a14="http://schemas.microsoft.com/office/drawing/2010/main" xmlns:m="http://schemas.openxmlformats.org/officeDocument/2006/math" xmlns="" val="1"/>
+              <ma14:wrappingTextBoxFlag xmlns="" xmlns:m="http://schemas.openxmlformats.org/officeDocument/2006/math" xmlns:a14="http://schemas.microsoft.com/office/drawing/2010/main" xmlns:ma14="http://schemas.microsoft.com/office/mac/drawingml/2011/main" val="1"/>
             </a:ext>
           </a:extLst>
         </p:spPr>
@@ -2985,7 +2985,7 @@
           </a:ln>
           <a:extLst>
             <a:ext uri="{C572A759-6A51-4108-AA02-DFA0A04FC94B}">
-              <ma14:wrappingTextBoxFlag xmlns:ma14="http://schemas.microsoft.com/office/mac/drawingml/2011/main" xmlns:a14="http://schemas.microsoft.com/office/drawing/2010/main" xmlns:m="http://schemas.openxmlformats.org/officeDocument/2006/math" xmlns="" val="1"/>
+              <ma14:wrappingTextBoxFlag xmlns="" xmlns:m="http://schemas.openxmlformats.org/officeDocument/2006/math" xmlns:a14="http://schemas.microsoft.com/office/drawing/2010/main" xmlns:ma14="http://schemas.microsoft.com/office/mac/drawingml/2011/main" val="1"/>
             </a:ext>
           </a:extLst>
         </p:spPr>
@@ -3037,7 +3037,7 @@
           </a:ln>
           <a:extLst>
             <a:ext uri="{C572A759-6A51-4108-AA02-DFA0A04FC94B}">
-              <ma14:wrappingTextBoxFlag xmlns:ma14="http://schemas.microsoft.com/office/mac/drawingml/2011/main" xmlns:a14="http://schemas.microsoft.com/office/drawing/2010/main" xmlns:m="http://schemas.openxmlformats.org/officeDocument/2006/math" xmlns="" val="1"/>
+              <ma14:wrappingTextBoxFlag xmlns="" xmlns:m="http://schemas.openxmlformats.org/officeDocument/2006/math" xmlns:a14="http://schemas.microsoft.com/office/drawing/2010/main" xmlns:ma14="http://schemas.microsoft.com/office/mac/drawingml/2011/main" val="1"/>
             </a:ext>
           </a:extLst>
         </p:spPr>
@@ -3180,7 +3180,7 @@
           </a:ln>
           <a:extLst>
             <a:ext uri="{C572A759-6A51-4108-AA02-DFA0A04FC94B}">
-              <ma14:wrappingTextBoxFlag xmlns:ma14="http://schemas.microsoft.com/office/mac/drawingml/2011/main" xmlns:a14="http://schemas.microsoft.com/office/drawing/2010/main" xmlns:m="http://schemas.openxmlformats.org/officeDocument/2006/math" xmlns="" val="1"/>
+              <ma14:wrappingTextBoxFlag xmlns="" xmlns:m="http://schemas.openxmlformats.org/officeDocument/2006/math" xmlns:a14="http://schemas.microsoft.com/office/drawing/2010/main" xmlns:ma14="http://schemas.microsoft.com/office/mac/drawingml/2011/main" val="1"/>
             </a:ext>
           </a:extLst>
         </p:spPr>
@@ -3284,7 +3284,7 @@
             </a:ln>
             <a:extLst>
               <a:ext uri="{C572A759-6A51-4108-AA02-DFA0A04FC94B}">
-                <ma14:wrappingTextBoxFlag xmlns:ma14="http://schemas.microsoft.com/office/mac/drawingml/2011/main" xmlns:a14="http://schemas.microsoft.com/office/drawing/2010/main" xmlns:m="http://schemas.openxmlformats.org/officeDocument/2006/math" xmlns="" val="1"/>
+                <ma14:wrappingTextBoxFlag xmlns="" xmlns:m="http://schemas.openxmlformats.org/officeDocument/2006/math" xmlns:a14="http://schemas.microsoft.com/office/drawing/2010/main" xmlns:ma14="http://schemas.microsoft.com/office/mac/drawingml/2011/main" val="1"/>
               </a:ext>
             </a:extLst>
           </p:spPr>
@@ -3797,7 +3797,7 @@
           </a:ln>
           <a:extLst>
             <a:ext uri="{C572A759-6A51-4108-AA02-DFA0A04FC94B}">
-              <ma14:wrappingTextBoxFlag xmlns:ma14="http://schemas.microsoft.com/office/mac/drawingml/2011/main" xmlns:a14="http://schemas.microsoft.com/office/drawing/2010/main" xmlns:m="http://schemas.openxmlformats.org/officeDocument/2006/math" xmlns="" val="1"/>
+              <ma14:wrappingTextBoxFlag xmlns="" xmlns:m="http://schemas.openxmlformats.org/officeDocument/2006/math" xmlns:a14="http://schemas.microsoft.com/office/drawing/2010/main" xmlns:ma14="http://schemas.microsoft.com/office/mac/drawingml/2011/main" val="1"/>
             </a:ext>
           </a:extLst>
         </p:spPr>
@@ -3901,7 +3901,7 @@
             </a:ln>
             <a:extLst>
               <a:ext uri="{C572A759-6A51-4108-AA02-DFA0A04FC94B}">
-                <ma14:wrappingTextBoxFlag xmlns:ma14="http://schemas.microsoft.com/office/mac/drawingml/2011/main" xmlns:a14="http://schemas.microsoft.com/office/drawing/2010/main" xmlns:m="http://schemas.openxmlformats.org/officeDocument/2006/math" xmlns="" val="1"/>
+                <ma14:wrappingTextBoxFlag xmlns="" xmlns:m="http://schemas.openxmlformats.org/officeDocument/2006/math" xmlns:a14="http://schemas.microsoft.com/office/drawing/2010/main" xmlns:ma14="http://schemas.microsoft.com/office/mac/drawingml/2011/main" val="1"/>
               </a:ext>
             </a:extLst>
           </p:spPr>
@@ -4506,7 +4506,7 @@
           </a:ln>
           <a:extLst>
             <a:ext uri="{C572A759-6A51-4108-AA02-DFA0A04FC94B}">
-              <ma14:wrappingTextBoxFlag xmlns:ma14="http://schemas.microsoft.com/office/mac/drawingml/2011/main" xmlns:a14="http://schemas.microsoft.com/office/drawing/2010/main" xmlns:m="http://schemas.openxmlformats.org/officeDocument/2006/math" xmlns="" val="1"/>
+              <ma14:wrappingTextBoxFlag xmlns="" xmlns:m="http://schemas.openxmlformats.org/officeDocument/2006/math" xmlns:a14="http://schemas.microsoft.com/office/drawing/2010/main" xmlns:ma14="http://schemas.microsoft.com/office/mac/drawingml/2011/main" val="1"/>
             </a:ext>
           </a:extLst>
         </p:spPr>
@@ -4631,7 +4631,7 @@
           </a:ln>
           <a:extLst>
             <a:ext uri="{C572A759-6A51-4108-AA02-DFA0A04FC94B}">
-              <ma14:wrappingTextBoxFlag xmlns:ma14="http://schemas.microsoft.com/office/mac/drawingml/2011/main" xmlns:a14="http://schemas.microsoft.com/office/drawing/2010/main" xmlns:m="http://schemas.openxmlformats.org/officeDocument/2006/math" xmlns="" val="1"/>
+              <ma14:wrappingTextBoxFlag xmlns="" xmlns:m="http://schemas.openxmlformats.org/officeDocument/2006/math" xmlns:a14="http://schemas.microsoft.com/office/drawing/2010/main" xmlns:ma14="http://schemas.microsoft.com/office/mac/drawingml/2011/main" val="1"/>
             </a:ext>
           </a:extLst>
         </p:spPr>
@@ -4783,7 +4783,7 @@
           </a:ln>
           <a:extLst>
             <a:ext uri="{C572A759-6A51-4108-AA02-DFA0A04FC94B}">
-              <ma14:wrappingTextBoxFlag xmlns:ma14="http://schemas.microsoft.com/office/mac/drawingml/2011/main" xmlns:a14="http://schemas.microsoft.com/office/drawing/2010/main" xmlns:m="http://schemas.openxmlformats.org/officeDocument/2006/math" xmlns="" val="1"/>
+              <ma14:wrappingTextBoxFlag xmlns="" xmlns:m="http://schemas.openxmlformats.org/officeDocument/2006/math" xmlns:a14="http://schemas.microsoft.com/office/drawing/2010/main" xmlns:ma14="http://schemas.microsoft.com/office/mac/drawingml/2011/main" val="1"/>
             </a:ext>
           </a:extLst>
         </p:spPr>
@@ -4887,7 +4887,7 @@
             </a:ln>
             <a:extLst>
               <a:ext uri="{C572A759-6A51-4108-AA02-DFA0A04FC94B}">
-                <ma14:wrappingTextBoxFlag xmlns:ma14="http://schemas.microsoft.com/office/mac/drawingml/2011/main" xmlns:a14="http://schemas.microsoft.com/office/drawing/2010/main" xmlns:m="http://schemas.openxmlformats.org/officeDocument/2006/math" xmlns="" val="1"/>
+                <ma14:wrappingTextBoxFlag xmlns="" xmlns:m="http://schemas.openxmlformats.org/officeDocument/2006/math" xmlns:a14="http://schemas.microsoft.com/office/drawing/2010/main" xmlns:ma14="http://schemas.microsoft.com/office/mac/drawingml/2011/main" val="1"/>
               </a:ext>
             </a:extLst>
           </p:spPr>
@@ -6682,7 +6682,7 @@
           </a:ln>
           <a:extLst>
             <a:ext uri="{C572A759-6A51-4108-AA02-DFA0A04FC94B}">
-              <ma14:wrappingTextBoxFlag xmlns:ma14="http://schemas.microsoft.com/office/mac/drawingml/2011/main" xmlns:a14="http://schemas.microsoft.com/office/drawing/2010/main" xmlns:m="http://schemas.openxmlformats.org/officeDocument/2006/math" xmlns="" val="1"/>
+              <ma14:wrappingTextBoxFlag xmlns="" xmlns:m="http://schemas.openxmlformats.org/officeDocument/2006/math" xmlns:a14="http://schemas.microsoft.com/office/drawing/2010/main" xmlns:ma14="http://schemas.microsoft.com/office/mac/drawingml/2011/main" val="1"/>
             </a:ext>
           </a:extLst>
         </p:spPr>
@@ -6807,7 +6807,7 @@
           </a:ln>
           <a:extLst>
             <a:ext uri="{C572A759-6A51-4108-AA02-DFA0A04FC94B}">
-              <ma14:wrappingTextBoxFlag xmlns:ma14="http://schemas.microsoft.com/office/mac/drawingml/2011/main" xmlns:a14="http://schemas.microsoft.com/office/drawing/2010/main" xmlns:m="http://schemas.openxmlformats.org/officeDocument/2006/math" xmlns="" val="1"/>
+              <ma14:wrappingTextBoxFlag xmlns="" xmlns:m="http://schemas.openxmlformats.org/officeDocument/2006/math" xmlns:a14="http://schemas.microsoft.com/office/drawing/2010/main" xmlns:ma14="http://schemas.microsoft.com/office/mac/drawingml/2011/main" val="1"/>
             </a:ext>
           </a:extLst>
         </p:spPr>
@@ -6931,7 +6931,7 @@
           </a:ln>
           <a:extLst>
             <a:ext uri="{C572A759-6A51-4108-AA02-DFA0A04FC94B}">
-              <ma14:wrappingTextBoxFlag xmlns:ma14="http://schemas.microsoft.com/office/mac/drawingml/2011/main" xmlns:a14="http://schemas.microsoft.com/office/drawing/2010/main" xmlns:m="http://schemas.openxmlformats.org/officeDocument/2006/math" xmlns="" val="1"/>
+              <ma14:wrappingTextBoxFlag xmlns="" xmlns:m="http://schemas.openxmlformats.org/officeDocument/2006/math" xmlns:a14="http://schemas.microsoft.com/office/drawing/2010/main" xmlns:ma14="http://schemas.microsoft.com/office/mac/drawingml/2011/main" val="1"/>
             </a:ext>
           </a:extLst>
         </p:spPr>
@@ -7020,7 +7020,7 @@
           </a:ln>
           <a:extLst>
             <a:ext uri="{C572A759-6A51-4108-AA02-DFA0A04FC94B}">
-              <ma14:wrappingTextBoxFlag xmlns:ma14="http://schemas.microsoft.com/office/mac/drawingml/2011/main" xmlns:a14="http://schemas.microsoft.com/office/drawing/2010/main" xmlns:m="http://schemas.openxmlformats.org/officeDocument/2006/math" xmlns="" val="1"/>
+              <ma14:wrappingTextBoxFlag xmlns="" xmlns:m="http://schemas.openxmlformats.org/officeDocument/2006/math" xmlns:a14="http://schemas.microsoft.com/office/drawing/2010/main" xmlns:ma14="http://schemas.microsoft.com/office/mac/drawingml/2011/main" val="1"/>
             </a:ext>
           </a:extLst>
         </p:spPr>
@@ -7172,7 +7172,7 @@
           </a:ln>
           <a:extLst>
             <a:ext uri="{C572A759-6A51-4108-AA02-DFA0A04FC94B}">
-              <ma14:wrappingTextBoxFlag xmlns:ma14="http://schemas.microsoft.com/office/mac/drawingml/2011/main" xmlns:a14="http://schemas.microsoft.com/office/drawing/2010/main" xmlns:m="http://schemas.openxmlformats.org/officeDocument/2006/math" xmlns="" val="1"/>
+              <ma14:wrappingTextBoxFlag xmlns="" xmlns:m="http://schemas.openxmlformats.org/officeDocument/2006/math" xmlns:a14="http://schemas.microsoft.com/office/drawing/2010/main" xmlns:ma14="http://schemas.microsoft.com/office/mac/drawingml/2011/main" val="1"/>
             </a:ext>
           </a:extLst>
         </p:spPr>
@@ -7276,7 +7276,7 @@
             </a:ln>
             <a:extLst>
               <a:ext uri="{C572A759-6A51-4108-AA02-DFA0A04FC94B}">
-                <ma14:wrappingTextBoxFlag xmlns:ma14="http://schemas.microsoft.com/office/mac/drawingml/2011/main" xmlns:a14="http://schemas.microsoft.com/office/drawing/2010/main" xmlns:m="http://schemas.openxmlformats.org/officeDocument/2006/math" xmlns="" val="1"/>
+                <ma14:wrappingTextBoxFlag xmlns="" xmlns:m="http://schemas.openxmlformats.org/officeDocument/2006/math" xmlns:a14="http://schemas.microsoft.com/office/drawing/2010/main" xmlns:ma14="http://schemas.microsoft.com/office/mac/drawingml/2011/main" val="1"/>
               </a:ext>
             </a:extLst>
           </p:spPr>
@@ -9041,14 +9041,6 @@
                 </a:rPr>
                 <a:t>14</a:t>
               </a:r>
-              <a:endParaRPr lang="ru-RU" sz="3200" dirty="0" smtClean="0">
-                <a:solidFill>
-                  <a:schemeClr val="bg1">
-                    <a:lumMod val="65000"/>
-                  </a:schemeClr>
-                </a:solidFill>
-                <a:latin typeface="Consolas" panose="020B0609020204030204" pitchFamily="49" charset="0"/>
-              </a:endParaRPr>
             </a:p>
           </p:txBody>
         </p:sp>
@@ -9110,7 +9102,7 @@
           </a:ln>
           <a:extLst>
             <a:ext uri="{C572A759-6A51-4108-AA02-DFA0A04FC94B}">
-              <ma14:wrappingTextBoxFlag xmlns:ma14="http://schemas.microsoft.com/office/mac/drawingml/2011/main" xmlns:a14="http://schemas.microsoft.com/office/drawing/2010/main" xmlns:m="http://schemas.openxmlformats.org/officeDocument/2006/math" xmlns="" val="1"/>
+              <ma14:wrappingTextBoxFlag xmlns="" xmlns:m="http://schemas.openxmlformats.org/officeDocument/2006/math" xmlns:a14="http://schemas.microsoft.com/office/drawing/2010/main" xmlns:ma14="http://schemas.microsoft.com/office/mac/drawingml/2011/main" val="1"/>
             </a:ext>
           </a:extLst>
         </p:spPr>
@@ -9199,7 +9191,7 @@
           </a:ln>
           <a:extLst>
             <a:ext uri="{C572A759-6A51-4108-AA02-DFA0A04FC94B}">
-              <ma14:wrappingTextBoxFlag xmlns:ma14="http://schemas.microsoft.com/office/mac/drawingml/2011/main" xmlns:a14="http://schemas.microsoft.com/office/drawing/2010/main" xmlns:m="http://schemas.openxmlformats.org/officeDocument/2006/math" xmlns="" val="1"/>
+              <ma14:wrappingTextBoxFlag xmlns="" xmlns:m="http://schemas.openxmlformats.org/officeDocument/2006/math" xmlns:a14="http://schemas.microsoft.com/office/drawing/2010/main" xmlns:ma14="http://schemas.microsoft.com/office/mac/drawingml/2011/main" val="1"/>
             </a:ext>
           </a:extLst>
         </p:spPr>
@@ -9351,7 +9343,7 @@
           </a:ln>
           <a:extLst>
             <a:ext uri="{C572A759-6A51-4108-AA02-DFA0A04FC94B}">
-              <ma14:wrappingTextBoxFlag xmlns:ma14="http://schemas.microsoft.com/office/mac/drawingml/2011/main" xmlns:a14="http://schemas.microsoft.com/office/drawing/2010/main" xmlns:m="http://schemas.openxmlformats.org/officeDocument/2006/math" xmlns="" val="1"/>
+              <ma14:wrappingTextBoxFlag xmlns="" xmlns:m="http://schemas.openxmlformats.org/officeDocument/2006/math" xmlns:a14="http://schemas.microsoft.com/office/drawing/2010/main" xmlns:ma14="http://schemas.microsoft.com/office/mac/drawingml/2011/main" val="1"/>
             </a:ext>
           </a:extLst>
         </p:spPr>
@@ -9455,7 +9447,7 @@
             </a:ln>
             <a:extLst>
               <a:ext uri="{C572A759-6A51-4108-AA02-DFA0A04FC94B}">
-                <ma14:wrappingTextBoxFlag xmlns:ma14="http://schemas.microsoft.com/office/mac/drawingml/2011/main" xmlns:a14="http://schemas.microsoft.com/office/drawing/2010/main" xmlns:m="http://schemas.openxmlformats.org/officeDocument/2006/math" xmlns="" val="1"/>
+                <ma14:wrappingTextBoxFlag xmlns="" xmlns:m="http://schemas.openxmlformats.org/officeDocument/2006/math" xmlns:a14="http://schemas.microsoft.com/office/drawing/2010/main" xmlns:ma14="http://schemas.microsoft.com/office/mac/drawingml/2011/main" val="1"/>
               </a:ext>
             </a:extLst>
           </p:spPr>
@@ -10901,7 +10893,7 @@
           </a:ln>
           <a:extLst>
             <a:ext uri="{C572A759-6A51-4108-AA02-DFA0A04FC94B}">
-              <ma14:wrappingTextBoxFlag xmlns:ma14="http://schemas.microsoft.com/office/mac/drawingml/2011/main" xmlns:a14="http://schemas.microsoft.com/office/drawing/2010/main" xmlns:m="http://schemas.openxmlformats.org/officeDocument/2006/math" xmlns="" val="1"/>
+              <ma14:wrappingTextBoxFlag xmlns="" xmlns:m="http://schemas.openxmlformats.org/officeDocument/2006/math" xmlns:a14="http://schemas.microsoft.com/office/drawing/2010/main" xmlns:ma14="http://schemas.microsoft.com/office/mac/drawingml/2011/main" val="1"/>
             </a:ext>
           </a:extLst>
         </p:spPr>
@@ -11026,7 +11018,7 @@
           </a:ln>
           <a:extLst>
             <a:ext uri="{C572A759-6A51-4108-AA02-DFA0A04FC94B}">
-              <ma14:wrappingTextBoxFlag xmlns:ma14="http://schemas.microsoft.com/office/mac/drawingml/2011/main" xmlns:a14="http://schemas.microsoft.com/office/drawing/2010/main" xmlns:m="http://schemas.openxmlformats.org/officeDocument/2006/math" xmlns="" val="1"/>
+              <ma14:wrappingTextBoxFlag xmlns="" xmlns:m="http://schemas.openxmlformats.org/officeDocument/2006/math" xmlns:a14="http://schemas.microsoft.com/office/drawing/2010/main" xmlns:ma14="http://schemas.microsoft.com/office/mac/drawingml/2011/main" val="1"/>
             </a:ext>
           </a:extLst>
         </p:spPr>
@@ -11149,7 +11141,7 @@
           </a:ln>
           <a:extLst>
             <a:ext uri="{C572A759-6A51-4108-AA02-DFA0A04FC94B}">
-              <ma14:wrappingTextBoxFlag xmlns:ma14="http://schemas.microsoft.com/office/mac/drawingml/2011/main" xmlns:a14="http://schemas.microsoft.com/office/drawing/2010/main" xmlns:m="http://schemas.openxmlformats.org/officeDocument/2006/math" xmlns="" val="1"/>
+              <ma14:wrappingTextBoxFlag xmlns="" xmlns:m="http://schemas.openxmlformats.org/officeDocument/2006/math" xmlns:a14="http://schemas.microsoft.com/office/drawing/2010/main" xmlns:ma14="http://schemas.microsoft.com/office/mac/drawingml/2011/main" val="1"/>
             </a:ext>
           </a:extLst>
         </p:spPr>
@@ -11201,7 +11193,7 @@
           </a:ln>
           <a:extLst>
             <a:ext uri="{C572A759-6A51-4108-AA02-DFA0A04FC94B}">
-              <ma14:wrappingTextBoxFlag xmlns:ma14="http://schemas.microsoft.com/office/mac/drawingml/2011/main" xmlns:a14="http://schemas.microsoft.com/office/drawing/2010/main" xmlns:m="http://schemas.openxmlformats.org/officeDocument/2006/math" xmlns="" val="1"/>
+              <ma14:wrappingTextBoxFlag xmlns="" xmlns:m="http://schemas.openxmlformats.org/officeDocument/2006/math" xmlns:a14="http://schemas.microsoft.com/office/drawing/2010/main" xmlns:ma14="http://schemas.microsoft.com/office/mac/drawingml/2011/main" val="1"/>
             </a:ext>
           </a:extLst>
         </p:spPr>
@@ -11501,7 +11493,7 @@
           </a:ln>
           <a:extLst>
             <a:ext uri="{C572A759-6A51-4108-AA02-DFA0A04FC94B}">
-              <ma14:wrappingTextBoxFlag xmlns:ma14="http://schemas.microsoft.com/office/mac/drawingml/2011/main" xmlns:a14="http://schemas.microsoft.com/office/drawing/2010/main" xmlns:m="http://schemas.openxmlformats.org/officeDocument/2006/math" xmlns="" val="1"/>
+              <ma14:wrappingTextBoxFlag xmlns="" xmlns:m="http://schemas.openxmlformats.org/officeDocument/2006/math" xmlns:a14="http://schemas.microsoft.com/office/drawing/2010/main" xmlns:ma14="http://schemas.microsoft.com/office/mac/drawingml/2011/main" val="1"/>
             </a:ext>
           </a:extLst>
         </p:spPr>
@@ -11605,7 +11597,7 @@
             </a:ln>
             <a:extLst>
               <a:ext uri="{C572A759-6A51-4108-AA02-DFA0A04FC94B}">
-                <ma14:wrappingTextBoxFlag xmlns:ma14="http://schemas.microsoft.com/office/mac/drawingml/2011/main" xmlns:a14="http://schemas.microsoft.com/office/drawing/2010/main" xmlns:m="http://schemas.openxmlformats.org/officeDocument/2006/math" xmlns="" val="1"/>
+                <ma14:wrappingTextBoxFlag xmlns="" xmlns:m="http://schemas.openxmlformats.org/officeDocument/2006/math" xmlns:a14="http://schemas.microsoft.com/office/drawing/2010/main" xmlns:ma14="http://schemas.microsoft.com/office/mac/drawingml/2011/main" val="1"/>
               </a:ext>
             </a:extLst>
           </p:spPr>
@@ -13202,7 +13194,7 @@
           </a:ln>
           <a:extLst>
             <a:ext uri="{C572A759-6A51-4108-AA02-DFA0A04FC94B}">
-              <ma14:wrappingTextBoxFlag xmlns:ma14="http://schemas.microsoft.com/office/mac/drawingml/2011/main" xmlns:a14="http://schemas.microsoft.com/office/drawing/2010/main" xmlns:m="http://schemas.openxmlformats.org/officeDocument/2006/math" xmlns="" val="1"/>
+              <ma14:wrappingTextBoxFlag xmlns="" xmlns:m="http://schemas.openxmlformats.org/officeDocument/2006/math" xmlns:a14="http://schemas.microsoft.com/office/drawing/2010/main" xmlns:ma14="http://schemas.microsoft.com/office/mac/drawingml/2011/main" val="1"/>
             </a:ext>
           </a:extLst>
         </p:spPr>
@@ -13324,7 +13316,7 @@
           </a:ln>
           <a:extLst>
             <a:ext uri="{C572A759-6A51-4108-AA02-DFA0A04FC94B}">
-              <ma14:wrappingTextBoxFlag xmlns:ma14="http://schemas.microsoft.com/office/mac/drawingml/2011/main" xmlns:a14="http://schemas.microsoft.com/office/drawing/2010/main" xmlns:m="http://schemas.openxmlformats.org/officeDocument/2006/math" xmlns="" val="1"/>
+              <ma14:wrappingTextBoxFlag xmlns="" xmlns:m="http://schemas.openxmlformats.org/officeDocument/2006/math" xmlns:a14="http://schemas.microsoft.com/office/drawing/2010/main" xmlns:ma14="http://schemas.microsoft.com/office/mac/drawingml/2011/main" val="1"/>
             </a:ext>
           </a:extLst>
         </p:spPr>
@@ -13413,7 +13405,7 @@
           </a:ln>
           <a:extLst>
             <a:ext uri="{C572A759-6A51-4108-AA02-DFA0A04FC94B}">
-              <ma14:wrappingTextBoxFlag xmlns:ma14="http://schemas.microsoft.com/office/mac/drawingml/2011/main" xmlns:a14="http://schemas.microsoft.com/office/drawing/2010/main" xmlns:m="http://schemas.openxmlformats.org/officeDocument/2006/math" xmlns="" val="1"/>
+              <ma14:wrappingTextBoxFlag xmlns="" xmlns:m="http://schemas.openxmlformats.org/officeDocument/2006/math" xmlns:a14="http://schemas.microsoft.com/office/drawing/2010/main" xmlns:ma14="http://schemas.microsoft.com/office/mac/drawingml/2011/main" val="1"/>
             </a:ext>
           </a:extLst>
         </p:spPr>
@@ -13565,7 +13557,7 @@
           </a:ln>
           <a:extLst>
             <a:ext uri="{C572A759-6A51-4108-AA02-DFA0A04FC94B}">
-              <ma14:wrappingTextBoxFlag xmlns:ma14="http://schemas.microsoft.com/office/mac/drawingml/2011/main" xmlns:a14="http://schemas.microsoft.com/office/drawing/2010/main" xmlns:m="http://schemas.openxmlformats.org/officeDocument/2006/math" xmlns="" val="1"/>
+              <ma14:wrappingTextBoxFlag xmlns="" xmlns:m="http://schemas.openxmlformats.org/officeDocument/2006/math" xmlns:a14="http://schemas.microsoft.com/office/drawing/2010/main" xmlns:ma14="http://schemas.microsoft.com/office/mac/drawingml/2011/main" val="1"/>
             </a:ext>
           </a:extLst>
         </p:spPr>
@@ -13669,7 +13661,7 @@
             </a:ln>
             <a:extLst>
               <a:ext uri="{C572A759-6A51-4108-AA02-DFA0A04FC94B}">
-                <ma14:wrappingTextBoxFlag xmlns:ma14="http://schemas.microsoft.com/office/mac/drawingml/2011/main" xmlns:a14="http://schemas.microsoft.com/office/drawing/2010/main" xmlns:m="http://schemas.openxmlformats.org/officeDocument/2006/math" xmlns="" val="1"/>
+                <ma14:wrappingTextBoxFlag xmlns="" xmlns:m="http://schemas.openxmlformats.org/officeDocument/2006/math" xmlns:a14="http://schemas.microsoft.com/office/drawing/2010/main" xmlns:ma14="http://schemas.microsoft.com/office/mac/drawingml/2011/main" val="1"/>
               </a:ext>
             </a:extLst>
           </p:spPr>
@@ -16052,7 +16044,7 @@
           </a:ln>
           <a:extLst>
             <a:ext uri="{C572A759-6A51-4108-AA02-DFA0A04FC94B}">
-              <ma14:wrappingTextBoxFlag xmlns:ma14="http://schemas.microsoft.com/office/mac/drawingml/2011/main" xmlns:a14="http://schemas.microsoft.com/office/drawing/2010/main" xmlns:m="http://schemas.openxmlformats.org/officeDocument/2006/math" xmlns="" val="1"/>
+              <ma14:wrappingTextBoxFlag xmlns="" xmlns:m="http://schemas.openxmlformats.org/officeDocument/2006/math" xmlns:a14="http://schemas.microsoft.com/office/drawing/2010/main" xmlns:ma14="http://schemas.microsoft.com/office/mac/drawingml/2011/main" val="1"/>
             </a:ext>
           </a:extLst>
         </p:spPr>
@@ -16141,7 +16133,7 @@
           </a:ln>
           <a:extLst>
             <a:ext uri="{C572A759-6A51-4108-AA02-DFA0A04FC94B}">
-              <ma14:wrappingTextBoxFlag xmlns:ma14="http://schemas.microsoft.com/office/mac/drawingml/2011/main" xmlns:a14="http://schemas.microsoft.com/office/drawing/2010/main" xmlns:m="http://schemas.openxmlformats.org/officeDocument/2006/math" xmlns="" val="1"/>
+              <ma14:wrappingTextBoxFlag xmlns="" xmlns:m="http://schemas.openxmlformats.org/officeDocument/2006/math" xmlns:a14="http://schemas.microsoft.com/office/drawing/2010/main" xmlns:ma14="http://schemas.microsoft.com/office/mac/drawingml/2011/main" val="1"/>
             </a:ext>
           </a:extLst>
         </p:spPr>
@@ -16227,7 +16219,7 @@
           </a:ln>
           <a:extLst>
             <a:ext uri="{C572A759-6A51-4108-AA02-DFA0A04FC94B}">
-              <ma14:wrappingTextBoxFlag xmlns:ma14="http://schemas.microsoft.com/office/mac/drawingml/2011/main" xmlns:a14="http://schemas.microsoft.com/office/drawing/2010/main" xmlns:m="http://schemas.openxmlformats.org/officeDocument/2006/math" xmlns="" val="1"/>
+              <ma14:wrappingTextBoxFlag xmlns="" xmlns:m="http://schemas.openxmlformats.org/officeDocument/2006/math" xmlns:a14="http://schemas.microsoft.com/office/drawing/2010/main" xmlns:ma14="http://schemas.microsoft.com/office/mac/drawingml/2011/main" val="1"/>
             </a:ext>
           </a:extLst>
         </p:spPr>
@@ -16349,7 +16341,7 @@
           </a:ln>
           <a:extLst>
             <a:ext uri="{C572A759-6A51-4108-AA02-DFA0A04FC94B}">
-              <ma14:wrappingTextBoxFlag xmlns:ma14="http://schemas.microsoft.com/office/mac/drawingml/2011/main" xmlns:a14="http://schemas.microsoft.com/office/drawing/2010/main" xmlns:m="http://schemas.openxmlformats.org/officeDocument/2006/math" xmlns="" val="1"/>
+              <ma14:wrappingTextBoxFlag xmlns="" xmlns:m="http://schemas.openxmlformats.org/officeDocument/2006/math" xmlns:a14="http://schemas.microsoft.com/office/drawing/2010/main" xmlns:ma14="http://schemas.microsoft.com/office/mac/drawingml/2011/main" val="1"/>
             </a:ext>
           </a:extLst>
         </p:spPr>
@@ -16502,7 +16494,7 @@
           </a:ln>
           <a:extLst>
             <a:ext uri="{C572A759-6A51-4108-AA02-DFA0A04FC94B}">
-              <ma14:wrappingTextBoxFlag xmlns:ma14="http://schemas.microsoft.com/office/mac/drawingml/2011/main" xmlns:a14="http://schemas.microsoft.com/office/drawing/2010/main" xmlns:m="http://schemas.openxmlformats.org/officeDocument/2006/math" xmlns="" val="1"/>
+              <ma14:wrappingTextBoxFlag xmlns="" xmlns:m="http://schemas.openxmlformats.org/officeDocument/2006/math" xmlns:a14="http://schemas.microsoft.com/office/drawing/2010/main" xmlns:ma14="http://schemas.microsoft.com/office/mac/drawingml/2011/main" val="1"/>
             </a:ext>
           </a:extLst>
         </p:spPr>
@@ -16603,7 +16595,7 @@
           </a:ln>
           <a:extLst>
             <a:ext uri="{C572A759-6A51-4108-AA02-DFA0A04FC94B}">
-              <ma14:wrappingTextBoxFlag xmlns:ma14="http://schemas.microsoft.com/office/mac/drawingml/2011/main" xmlns:a14="http://schemas.microsoft.com/office/drawing/2010/main" xmlns:m="http://schemas.openxmlformats.org/officeDocument/2006/math" xmlns="" val="1"/>
+              <ma14:wrappingTextBoxFlag xmlns="" xmlns:m="http://schemas.openxmlformats.org/officeDocument/2006/math" xmlns:a14="http://schemas.microsoft.com/office/drawing/2010/main" xmlns:ma14="http://schemas.microsoft.com/office/mac/drawingml/2011/main" val="1"/>
             </a:ext>
           </a:extLst>
         </p:spPr>
@@ -16751,7 +16743,7 @@
           </a:ln>
           <a:extLst>
             <a:ext uri="{C572A759-6A51-4108-AA02-DFA0A04FC94B}">
-              <ma14:wrappingTextBoxFlag xmlns:ma14="http://schemas.microsoft.com/office/mac/drawingml/2011/main" xmlns:a14="http://schemas.microsoft.com/office/drawing/2010/main" xmlns:m="http://schemas.openxmlformats.org/officeDocument/2006/math" xmlns="" val="1"/>
+              <ma14:wrappingTextBoxFlag xmlns="" xmlns:m="http://schemas.openxmlformats.org/officeDocument/2006/math" xmlns:a14="http://schemas.microsoft.com/office/drawing/2010/main" xmlns:ma14="http://schemas.microsoft.com/office/mac/drawingml/2011/main" val="1"/>
             </a:ext>
           </a:extLst>
         </p:spPr>
@@ -16856,7 +16848,7 @@
             </a:ln>
             <a:extLst>
               <a:ext uri="{C572A759-6A51-4108-AA02-DFA0A04FC94B}">
-                <ma14:wrappingTextBoxFlag xmlns:ma14="http://schemas.microsoft.com/office/mac/drawingml/2011/main" xmlns:a14="http://schemas.microsoft.com/office/drawing/2010/main" xmlns:m="http://schemas.openxmlformats.org/officeDocument/2006/math" xmlns="" val="1"/>
+                <ma14:wrappingTextBoxFlag xmlns="" xmlns:m="http://schemas.openxmlformats.org/officeDocument/2006/math" xmlns:a14="http://schemas.microsoft.com/office/drawing/2010/main" xmlns:ma14="http://schemas.microsoft.com/office/mac/drawingml/2011/main" val="1"/>
               </a:ext>
             </a:extLst>
           </p:spPr>
@@ -17976,7 +17968,7 @@
           </a:ln>
           <a:extLst>
             <a:ext uri="{C572A759-6A51-4108-AA02-DFA0A04FC94B}">
-              <ma14:wrappingTextBoxFlag xmlns:ma14="http://schemas.microsoft.com/office/mac/drawingml/2011/main" xmlns:a14="http://schemas.microsoft.com/office/drawing/2010/main" xmlns:m="http://schemas.openxmlformats.org/officeDocument/2006/math" xmlns="" val="1"/>
+              <ma14:wrappingTextBoxFlag xmlns="" xmlns:m="http://schemas.openxmlformats.org/officeDocument/2006/math" xmlns:a14="http://schemas.microsoft.com/office/drawing/2010/main" xmlns:ma14="http://schemas.microsoft.com/office/mac/drawingml/2011/main" val="1"/>
             </a:ext>
           </a:extLst>
         </p:spPr>
@@ -18178,7 +18170,7 @@
           </a:ln>
           <a:extLst>
             <a:ext uri="{C572A759-6A51-4108-AA02-DFA0A04FC94B}">
-              <ma14:wrappingTextBoxFlag xmlns:ma14="http://schemas.microsoft.com/office/mac/drawingml/2011/main" xmlns:a14="http://schemas.microsoft.com/office/drawing/2010/main" xmlns:m="http://schemas.openxmlformats.org/officeDocument/2006/math" xmlns="" val="1"/>
+              <ma14:wrappingTextBoxFlag xmlns="" xmlns:m="http://schemas.openxmlformats.org/officeDocument/2006/math" xmlns:a14="http://schemas.microsoft.com/office/drawing/2010/main" xmlns:ma14="http://schemas.microsoft.com/office/mac/drawingml/2011/main" val="1"/>
             </a:ext>
           </a:extLst>
         </p:spPr>
@@ -18273,7 +18265,7 @@
           </a:ln>
           <a:extLst>
             <a:ext uri="{C572A759-6A51-4108-AA02-DFA0A04FC94B}">
-              <ma14:wrappingTextBoxFlag xmlns:ma14="http://schemas.microsoft.com/office/mac/drawingml/2011/main" xmlns:a14="http://schemas.microsoft.com/office/drawing/2010/main" xmlns:m="http://schemas.openxmlformats.org/officeDocument/2006/math" xmlns="" val="1"/>
+              <ma14:wrappingTextBoxFlag xmlns="" xmlns:m="http://schemas.openxmlformats.org/officeDocument/2006/math" xmlns:a14="http://schemas.microsoft.com/office/drawing/2010/main" xmlns:ma14="http://schemas.microsoft.com/office/mac/drawingml/2011/main" val="1"/>
             </a:ext>
           </a:extLst>
         </p:spPr>
@@ -18441,7 +18433,7 @@
           </a:ln>
           <a:extLst>
             <a:ext uri="{C572A759-6A51-4108-AA02-DFA0A04FC94B}">
-              <ma14:wrappingTextBoxFlag xmlns:ma14="http://schemas.microsoft.com/office/mac/drawingml/2011/main" xmlns:a14="http://schemas.microsoft.com/office/drawing/2010/main" xmlns:m="http://schemas.openxmlformats.org/officeDocument/2006/math" xmlns="" val="1"/>
+              <ma14:wrappingTextBoxFlag xmlns="" xmlns:m="http://schemas.openxmlformats.org/officeDocument/2006/math" xmlns:a14="http://schemas.microsoft.com/office/drawing/2010/main" xmlns:ma14="http://schemas.microsoft.com/office/mac/drawingml/2011/main" val="1"/>
             </a:ext>
           </a:extLst>
         </p:spPr>
@@ -18542,7 +18534,7 @@
           </a:ln>
           <a:extLst>
             <a:ext uri="{C572A759-6A51-4108-AA02-DFA0A04FC94B}">
-              <ma14:wrappingTextBoxFlag xmlns:ma14="http://schemas.microsoft.com/office/mac/drawingml/2011/main" xmlns:a14="http://schemas.microsoft.com/office/drawing/2010/main" xmlns:m="http://schemas.openxmlformats.org/officeDocument/2006/math" xmlns="" val="1"/>
+              <ma14:wrappingTextBoxFlag xmlns="" xmlns:m="http://schemas.openxmlformats.org/officeDocument/2006/math" xmlns:a14="http://schemas.microsoft.com/office/drawing/2010/main" xmlns:ma14="http://schemas.microsoft.com/office/mac/drawingml/2011/main" val="1"/>
             </a:ext>
           </a:extLst>
         </p:spPr>
@@ -18611,10 +18603,10 @@
         </p:nvGrpSpPr>
         <p:grpSpPr>
           <a:xfrm>
-            <a:off x="2036677" y="5179832"/>
-            <a:ext cx="17639337" cy="707886"/>
-            <a:chOff x="2003425" y="6058563"/>
-            <a:chExt cx="17639337" cy="707886"/>
+            <a:off x="2038350" y="5179832"/>
+            <a:ext cx="17639337" cy="1323440"/>
+            <a:chOff x="2003425" y="6058562"/>
+            <a:chExt cx="17639337" cy="1323440"/>
           </a:xfrm>
         </p:grpSpPr>
         <p:sp>
@@ -18626,7 +18618,7 @@
           <p:spPr>
             <a:xfrm>
               <a:off x="2276475" y="6058563"/>
-              <a:ext cx="17366287" cy="707886"/>
+              <a:ext cx="17366287" cy="1323439"/>
             </a:xfrm>
             <a:prstGeom prst="rect">
               <a:avLst/>
@@ -18636,7 +18628,7 @@
             </a:ln>
             <a:extLst>
               <a:ext uri="{C572A759-6A51-4108-AA02-DFA0A04FC94B}">
-                <ma14:wrappingTextBoxFlag xmlns:ma14="http://schemas.microsoft.com/office/mac/drawingml/2011/main" xmlns:a14="http://schemas.microsoft.com/office/drawing/2010/main" xmlns:m="http://schemas.openxmlformats.org/officeDocument/2006/math" xmlns="" val="1"/>
+                <ma14:wrappingTextBoxFlag xmlns="" xmlns:m="http://schemas.openxmlformats.org/officeDocument/2006/math" xmlns:a14="http://schemas.microsoft.com/office/drawing/2010/main" xmlns:ma14="http://schemas.microsoft.com/office/mac/drawingml/2011/main" val="1"/>
               </a:ext>
             </a:extLst>
           </p:spPr>
@@ -18671,11 +18663,19 @@
                       <a:lumMod val="65000"/>
                     </a:schemeClr>
                   </a:solidFill>
-                  <a:latin typeface="+mj-lt"/>
                   <a:sym typeface="Helvetica"/>
                 </a:rPr>
-                <a:t>Данный синтаксис пока не поддерживается</a:t>
-              </a:r>
+                <a:t>Данный синтаксис пока поддерживается не во всех браузерах (и, вероятно, будет в стандарте ES2019).</a:t>
+              </a:r>
+              <a:endParaRPr lang="ru-RU" sz="4000" dirty="0">
+                <a:solidFill>
+                  <a:schemeClr val="bg1">
+                    <a:lumMod val="65000"/>
+                  </a:schemeClr>
+                </a:solidFill>
+                <a:latin typeface="+mj-lt"/>
+                <a:sym typeface="Helvetica"/>
+              </a:endParaRPr>
             </a:p>
           </p:txBody>
         </p:sp>
@@ -18687,8 +18687,8 @@
           </p:nvSpPr>
           <p:spPr>
             <a:xfrm>
-              <a:off x="2003425" y="6058563"/>
-              <a:ext cx="165100" cy="707886"/>
+              <a:off x="2003425" y="6058562"/>
+              <a:ext cx="165099" cy="1323439"/>
             </a:xfrm>
             <a:prstGeom prst="rect">
               <a:avLst/>
@@ -18772,7 +18772,7 @@
         </p:nvSpPr>
         <p:spPr>
           <a:xfrm>
-            <a:off x="2038350" y="6365888"/>
+            <a:off x="2036677" y="6981441"/>
             <a:ext cx="17366287" cy="707886"/>
           </a:xfrm>
           <a:prstGeom prst="rect">
@@ -18783,7 +18783,7 @@
           </a:ln>
           <a:extLst>
             <a:ext uri="{C572A759-6A51-4108-AA02-DFA0A04FC94B}">
-              <ma14:wrappingTextBoxFlag xmlns:ma14="http://schemas.microsoft.com/office/mac/drawingml/2011/main" xmlns:a14="http://schemas.microsoft.com/office/drawing/2010/main" xmlns:m="http://schemas.openxmlformats.org/officeDocument/2006/math" xmlns="" val="1"/>
+              <ma14:wrappingTextBoxFlag xmlns="" xmlns:m="http://schemas.openxmlformats.org/officeDocument/2006/math" xmlns:a14="http://schemas.microsoft.com/office/drawing/2010/main" xmlns:ma14="http://schemas.microsoft.com/office/mac/drawingml/2011/main" val="1"/>
             </a:ext>
           </a:extLst>
         </p:spPr>
@@ -18832,7 +18832,7 @@
         </p:nvGrpSpPr>
         <p:grpSpPr>
           <a:xfrm>
-            <a:off x="2036677" y="7551943"/>
+            <a:off x="2036677" y="8259830"/>
             <a:ext cx="17639337" cy="1323440"/>
             <a:chOff x="2003425" y="6058562"/>
             <a:chExt cx="17639337" cy="1323440"/>
@@ -18857,7 +18857,7 @@
             </a:ln>
             <a:extLst>
               <a:ext uri="{C572A759-6A51-4108-AA02-DFA0A04FC94B}">
-                <ma14:wrappingTextBoxFlag xmlns:ma14="http://schemas.microsoft.com/office/mac/drawingml/2011/main" xmlns:a14="http://schemas.microsoft.com/office/drawing/2010/main" xmlns:m="http://schemas.openxmlformats.org/officeDocument/2006/math" xmlns="" val="1"/>
+                <ma14:wrappingTextBoxFlag xmlns="" xmlns:m="http://schemas.openxmlformats.org/officeDocument/2006/math" xmlns:a14="http://schemas.microsoft.com/office/drawing/2010/main" xmlns:ma14="http://schemas.microsoft.com/office/mac/drawingml/2011/main" val="1"/>
               </a:ext>
             </a:extLst>
           </p:spPr>
@@ -18892,11 +18892,19 @@
                       <a:lumMod val="65000"/>
                     </a:schemeClr>
                   </a:solidFill>
-                  <a:latin typeface="+mj-lt"/>
                   <a:sym typeface="Helvetica"/>
                 </a:rPr>
-                <a:t>На данный момент нет. Возможна реализация с помощью обходных путей.</a:t>
-              </a:r>
+                <a:t>На данный момент предполагается, что эта возможность появится в ES2019.</a:t>
+              </a:r>
+              <a:endParaRPr lang="ru-RU" sz="4000" dirty="0">
+                <a:solidFill>
+                  <a:schemeClr val="bg1">
+                    <a:lumMod val="65000"/>
+                  </a:schemeClr>
+                </a:solidFill>
+                <a:latin typeface="+mj-lt"/>
+                <a:sym typeface="Helvetica"/>
+              </a:endParaRPr>
             </a:p>
           </p:txBody>
         </p:sp>
@@ -19043,7 +19051,7 @@
           </a:ln>
           <a:extLst>
             <a:ext uri="{C572A759-6A51-4108-AA02-DFA0A04FC94B}">
-              <ma14:wrappingTextBoxFlag xmlns:ma14="http://schemas.microsoft.com/office/mac/drawingml/2011/main" xmlns:a14="http://schemas.microsoft.com/office/drawing/2010/main" xmlns:m="http://schemas.openxmlformats.org/officeDocument/2006/math" xmlns="" val="1"/>
+              <ma14:wrappingTextBoxFlag xmlns="" xmlns:m="http://schemas.openxmlformats.org/officeDocument/2006/math" xmlns:a14="http://schemas.microsoft.com/office/drawing/2010/main" xmlns:ma14="http://schemas.microsoft.com/office/mac/drawingml/2011/main" val="1"/>
             </a:ext>
           </a:extLst>
         </p:spPr>
@@ -19263,7 +19271,7 @@
           </a:ln>
           <a:extLst>
             <a:ext uri="{C572A759-6A51-4108-AA02-DFA0A04FC94B}">
-              <ma14:wrappingTextBoxFlag xmlns:ma14="http://schemas.microsoft.com/office/mac/drawingml/2011/main" xmlns:a14="http://schemas.microsoft.com/office/drawing/2010/main" xmlns:m="http://schemas.openxmlformats.org/officeDocument/2006/math" xmlns="" val="1"/>
+              <ma14:wrappingTextBoxFlag xmlns="" xmlns:m="http://schemas.openxmlformats.org/officeDocument/2006/math" xmlns:a14="http://schemas.microsoft.com/office/drawing/2010/main" xmlns:ma14="http://schemas.microsoft.com/office/mac/drawingml/2011/main" val="1"/>
             </a:ext>
           </a:extLst>
         </p:spPr>
@@ -19406,7 +19414,7 @@
           </a:ln>
           <a:extLst>
             <a:ext uri="{C572A759-6A51-4108-AA02-DFA0A04FC94B}">
-              <ma14:wrappingTextBoxFlag xmlns:ma14="http://schemas.microsoft.com/office/mac/drawingml/2011/main" xmlns:a14="http://schemas.microsoft.com/office/drawing/2010/main" xmlns:m="http://schemas.openxmlformats.org/officeDocument/2006/math" xmlns="" val="1"/>
+              <ma14:wrappingTextBoxFlag xmlns="" xmlns:m="http://schemas.openxmlformats.org/officeDocument/2006/math" xmlns:a14="http://schemas.microsoft.com/office/drawing/2010/main" xmlns:ma14="http://schemas.microsoft.com/office/mac/drawingml/2011/main" val="1"/>
             </a:ext>
           </a:extLst>
         </p:spPr>
@@ -19473,582 +19481,266 @@
           </a:ln>
         </p:spPr>
       </p:pic>
-      <p:grpSp>
-        <p:nvGrpSpPr>
-          <p:cNvPr id="8" name="Группа 7"/>
-          <p:cNvGrpSpPr/>
+      <p:sp>
+        <p:nvSpPr>
+          <p:cNvPr id="9" name="Shape 164"/>
+          <p:cNvSpPr txBox="1"/>
           <p:nvPr/>
-        </p:nvGrpSpPr>
-        <p:grpSpPr>
+        </p:nvSpPr>
+        <p:spPr>
           <a:xfrm>
-            <a:off x="1102970" y="4401630"/>
-            <a:ext cx="18576707" cy="1427322"/>
-            <a:chOff x="1166453" y="6629482"/>
-            <a:chExt cx="18576707" cy="1427322"/>
+            <a:off x="1811594" y="4410615"/>
+            <a:ext cx="17868083" cy="979755"/>
           </a:xfrm>
-        </p:grpSpPr>
-        <p:sp>
-          <p:nvSpPr>
-            <p:cNvPr id="9" name="Shape 164"/>
-            <p:cNvSpPr txBox="1"/>
-            <p:nvPr/>
-          </p:nvSpPr>
-          <p:spPr>
-            <a:xfrm>
-              <a:off x="1875077" y="6638467"/>
-              <a:ext cx="17868083" cy="1418337"/>
-            </a:xfrm>
-            <a:prstGeom prst="rect">
-              <a:avLst/>
-            </a:prstGeom>
-            <a:solidFill>
-              <a:schemeClr val="bg1">
-                <a:lumMod val="95000"/>
-              </a:schemeClr>
-            </a:solidFill>
-            <a:ln w="12700">
-              <a:miter lim="400000"/>
-            </a:ln>
-            <a:extLst>
-              <a:ext uri="{C572A759-6A51-4108-AA02-DFA0A04FC94B}">
-                <ma14:wrappingTextBoxFlag xmlns:ma14="http://schemas.microsoft.com/office/mac/drawingml/2011/main" xmlns:a14="http://schemas.microsoft.com/office/drawing/2010/main" xmlns:m="http://schemas.openxmlformats.org/officeDocument/2006/math" xmlns="" val="1"/>
-              </a:ext>
-            </a:extLst>
-          </p:spPr>
-          <p:txBody>
-            <a:bodyPr wrap="square" lIns="50800" tIns="50800" rIns="50800" bIns="50800">
-              <a:spAutoFit/>
-            </a:bodyPr>
-            <a:lstStyle>
-              <a:lvl1pPr algn="l">
-                <a:lnSpc>
-                  <a:spcPct val="70000"/>
-                </a:lnSpc>
-                <a:defRPr sz="7000" b="1">
-                  <a:solidFill>
-                    <a:srgbClr val="3F3F3F"/>
-                  </a:solidFill>
-                  <a:latin typeface="+mj-lt"/>
-                  <a:ea typeface="+mj-ea"/>
-                  <a:cs typeface="+mj-cs"/>
-                  <a:sym typeface="Helvetica"/>
-                </a:defRPr>
-              </a:lvl1pPr>
-            </a:lstStyle>
-            <a:p>
-              <a:pPr fontAlgn="base">
-                <a:lnSpc>
-                  <a:spcPct val="114000"/>
-                </a:lnSpc>
-              </a:pPr>
-              <a:r>
-                <a:rPr lang="ru-RU" sz="2500" b="0" dirty="0">
-                  <a:solidFill>
-                    <a:schemeClr val="bg1">
-                      <a:lumMod val="65000"/>
-                    </a:schemeClr>
-                  </a:solidFill>
-                  <a:latin typeface="Consolas" panose="020B0609020204030204" pitchFamily="49" charset="0"/>
-                </a:rPr>
-                <a:t> </a:t>
-              </a:r>
-              <a:r>
-                <a:rPr lang="en-US" sz="2500" b="0" dirty="0">
-                  <a:solidFill>
-                    <a:schemeClr val="tx1"/>
-                  </a:solidFill>
-                  <a:latin typeface="Consolas" panose="020B0609020204030204" pitchFamily="49" charset="0"/>
-                </a:rPr>
-                <a:t>console</a:t>
-              </a:r>
-              <a:r>
-                <a:rPr lang="en-US" sz="2500" b="0" dirty="0">
-                  <a:solidFill>
-                    <a:schemeClr val="bg1">
-                      <a:lumMod val="65000"/>
-                    </a:schemeClr>
-                  </a:solidFill>
-                  <a:latin typeface="Consolas" panose="020B0609020204030204" pitchFamily="49" charset="0"/>
-                </a:rPr>
-                <a:t>.</a:t>
-              </a:r>
-              <a:r>
-                <a:rPr lang="en-US" sz="2500" b="0" dirty="0">
-                  <a:solidFill>
-                    <a:schemeClr val="accent5">
-                      <a:lumMod val="60000"/>
-                      <a:lumOff val="40000"/>
-                    </a:schemeClr>
-                  </a:solidFill>
-                  <a:latin typeface="Consolas" panose="020B0609020204030204" pitchFamily="49" charset="0"/>
-                </a:rPr>
-                <a:t>log</a:t>
-              </a:r>
-              <a:r>
-                <a:rPr lang="en-US" sz="2500" b="0" dirty="0">
-                  <a:solidFill>
-                    <a:schemeClr val="bg1">
-                      <a:lumMod val="65000"/>
-                    </a:schemeClr>
-                  </a:solidFill>
-                  <a:latin typeface="Consolas" panose="020B0609020204030204" pitchFamily="49" charset="0"/>
-                </a:rPr>
-                <a:t>(</a:t>
-              </a:r>
-              <a:r>
-                <a:rPr lang="en-US" sz="2500" b="0" dirty="0" err="1">
-                  <a:solidFill>
-                    <a:schemeClr val="accent1"/>
-                  </a:solidFill>
-                  <a:latin typeface="Consolas" panose="020B0609020204030204" pitchFamily="49" charset="0"/>
-                </a:rPr>
-                <a:t>typeof</a:t>
-              </a:r>
-              <a:r>
-                <a:rPr lang="en-US" sz="2500" b="0" dirty="0">
-                  <a:solidFill>
-                    <a:schemeClr val="bg1">
-                      <a:lumMod val="65000"/>
-                    </a:schemeClr>
-                  </a:solidFill>
-                  <a:latin typeface="Consolas" panose="020B0609020204030204" pitchFamily="49" charset="0"/>
-                </a:rPr>
-                <a:t> </a:t>
-              </a:r>
-              <a:r>
-                <a:rPr lang="en-US" sz="2500" b="0" dirty="0">
-                  <a:solidFill>
-                    <a:schemeClr val="tx1"/>
-                  </a:solidFill>
-                  <a:latin typeface="Consolas" panose="020B0609020204030204" pitchFamily="49" charset="0"/>
-                </a:rPr>
-                <a:t>Messenger</a:t>
-              </a:r>
-              <a:r>
-                <a:rPr lang="en-US" sz="2500" b="0" dirty="0">
-                  <a:solidFill>
-                    <a:schemeClr val="bg1">
-                      <a:lumMod val="65000"/>
-                    </a:schemeClr>
-                  </a:solidFill>
-                  <a:latin typeface="Consolas" panose="020B0609020204030204" pitchFamily="49" charset="0"/>
-                </a:rPr>
-                <a:t>); // function</a:t>
-              </a:r>
-            </a:p>
-            <a:p>
-              <a:pPr fontAlgn="base">
-                <a:lnSpc>
-                  <a:spcPct val="114000"/>
-                </a:lnSpc>
-              </a:pPr>
-              <a:r>
-                <a:rPr lang="en-US" sz="2500" b="0" dirty="0" smtClean="0">
-                  <a:solidFill>
-                    <a:schemeClr val="bg1">
-                      <a:lumMod val="65000"/>
-                    </a:schemeClr>
-                  </a:solidFill>
-                  <a:latin typeface="Consolas" panose="020B0609020204030204" pitchFamily="49" charset="0"/>
-                </a:rPr>
-                <a:t> </a:t>
-              </a:r>
-              <a:r>
-                <a:rPr lang="en-US" sz="2500" b="0" dirty="0" smtClean="0">
-                  <a:solidFill>
-                    <a:schemeClr val="tx1"/>
-                  </a:solidFill>
-                  <a:latin typeface="Consolas" panose="020B0609020204030204" pitchFamily="49" charset="0"/>
-                </a:rPr>
-                <a:t>console</a:t>
-              </a:r>
-              <a:r>
-                <a:rPr lang="en-US" sz="2500" b="0" dirty="0" smtClean="0">
-                  <a:solidFill>
-                    <a:schemeClr val="bg1">
-                      <a:lumMod val="65000"/>
-                    </a:schemeClr>
-                  </a:solidFill>
-                  <a:latin typeface="Consolas" panose="020B0609020204030204" pitchFamily="49" charset="0"/>
-                </a:rPr>
-                <a:t>.</a:t>
-              </a:r>
-              <a:r>
-                <a:rPr lang="en-US" sz="2500" b="0" dirty="0" smtClean="0">
-                  <a:solidFill>
-                    <a:schemeClr val="accent5">
-                      <a:lumMod val="60000"/>
-                      <a:lumOff val="40000"/>
-                    </a:schemeClr>
-                  </a:solidFill>
-                  <a:latin typeface="Consolas" panose="020B0609020204030204" pitchFamily="49" charset="0"/>
-                </a:rPr>
-                <a:t>log</a:t>
-              </a:r>
-              <a:r>
-                <a:rPr lang="en-US" sz="2500" b="0" dirty="0" smtClean="0">
-                  <a:solidFill>
-                    <a:schemeClr val="bg1">
-                      <a:lumMod val="65000"/>
-                    </a:schemeClr>
-                  </a:solidFill>
-                  <a:latin typeface="Consolas" panose="020B0609020204030204" pitchFamily="49" charset="0"/>
-                </a:rPr>
-                <a:t>(</a:t>
-              </a:r>
-              <a:r>
-                <a:rPr lang="en-US" sz="2500" b="0" dirty="0" smtClean="0">
-                  <a:solidFill>
-                    <a:schemeClr val="tx1"/>
-                  </a:solidFill>
-                  <a:latin typeface="Consolas" panose="020B0609020204030204" pitchFamily="49" charset="0"/>
-                </a:rPr>
-                <a:t>messenger</a:t>
-              </a:r>
-              <a:r>
-                <a:rPr lang="en-US" sz="2500" b="0" dirty="0" smtClean="0">
-                  <a:solidFill>
-                    <a:schemeClr val="bg1">
-                      <a:lumMod val="65000"/>
-                    </a:schemeClr>
-                  </a:solidFill>
-                  <a:latin typeface="Consolas" panose="020B0609020204030204" pitchFamily="49" charset="0"/>
-                </a:rPr>
-                <a:t> </a:t>
-              </a:r>
-              <a:r>
-                <a:rPr lang="en-US" sz="2500" b="0" dirty="0" err="1">
-                  <a:solidFill>
-                    <a:schemeClr val="tx1"/>
-                  </a:solidFill>
-                  <a:latin typeface="Consolas" panose="020B0609020204030204" pitchFamily="49" charset="0"/>
-                </a:rPr>
-                <a:t>instanceOf</a:t>
-              </a:r>
-              <a:r>
-                <a:rPr lang="en-US" sz="2500" b="0" dirty="0">
-                  <a:solidFill>
-                    <a:schemeClr val="bg1">
-                      <a:lumMod val="65000"/>
-                    </a:schemeClr>
-                  </a:solidFill>
-                  <a:latin typeface="Consolas" panose="020B0609020204030204" pitchFamily="49" charset="0"/>
-                </a:rPr>
-                <a:t> </a:t>
-              </a:r>
-              <a:r>
-                <a:rPr lang="en-US" sz="2500" b="0" dirty="0">
-                  <a:solidFill>
-                    <a:schemeClr val="tx1"/>
-                  </a:solidFill>
-                  <a:latin typeface="Consolas" panose="020B0609020204030204" pitchFamily="49" charset="0"/>
-                </a:rPr>
-                <a:t>Messenger</a:t>
-              </a:r>
-              <a:r>
-                <a:rPr lang="en-US" sz="2500" b="0" dirty="0">
-                  <a:solidFill>
-                    <a:schemeClr val="bg1">
-                      <a:lumMod val="65000"/>
-                    </a:schemeClr>
-                  </a:solidFill>
-                  <a:latin typeface="Consolas" panose="020B0609020204030204" pitchFamily="49" charset="0"/>
-                </a:rPr>
-                <a:t>);</a:t>
-              </a:r>
-            </a:p>
-            <a:p>
-              <a:pPr fontAlgn="base">
-                <a:lnSpc>
-                  <a:spcPct val="114000"/>
-                </a:lnSpc>
-              </a:pPr>
-              <a:r>
-                <a:rPr lang="en-US" sz="2500" b="0" dirty="0" smtClean="0">
-                  <a:solidFill>
-                    <a:schemeClr val="bg1">
-                      <a:lumMod val="65000"/>
-                    </a:schemeClr>
-                  </a:solidFill>
-                  <a:latin typeface="Consolas" panose="020B0609020204030204" pitchFamily="49" charset="0"/>
-                </a:rPr>
-                <a:t> </a:t>
-              </a:r>
-              <a:r>
-                <a:rPr lang="en-US" sz="2500" b="0" dirty="0" smtClean="0">
-                  <a:solidFill>
-                    <a:schemeClr val="tx1"/>
-                  </a:solidFill>
-                  <a:latin typeface="Consolas" panose="020B0609020204030204" pitchFamily="49" charset="0"/>
-                </a:rPr>
-                <a:t>console</a:t>
-              </a:r>
-              <a:r>
-                <a:rPr lang="en-US" sz="2500" b="0" dirty="0" smtClean="0">
-                  <a:solidFill>
-                    <a:schemeClr val="bg1">
-                      <a:lumMod val="65000"/>
-                    </a:schemeClr>
-                  </a:solidFill>
-                  <a:latin typeface="Consolas" panose="020B0609020204030204" pitchFamily="49" charset="0"/>
-                </a:rPr>
-                <a:t>.</a:t>
-              </a:r>
-              <a:r>
-                <a:rPr lang="en-US" sz="2500" b="0" dirty="0" smtClean="0">
-                  <a:solidFill>
-                    <a:schemeClr val="accent5">
-                      <a:lumMod val="60000"/>
-                      <a:lumOff val="40000"/>
-                    </a:schemeClr>
-                  </a:solidFill>
-                  <a:latin typeface="Consolas" panose="020B0609020204030204" pitchFamily="49" charset="0"/>
-                </a:rPr>
-                <a:t>log</a:t>
-              </a:r>
-              <a:r>
-                <a:rPr lang="en-US" sz="2500" b="0" dirty="0" smtClean="0">
-                  <a:solidFill>
-                    <a:schemeClr val="bg1">
-                      <a:lumMod val="65000"/>
-                    </a:schemeClr>
-                  </a:solidFill>
-                  <a:latin typeface="Consolas" panose="020B0609020204030204" pitchFamily="49" charset="0"/>
-                </a:rPr>
-                <a:t>(</a:t>
-              </a:r>
-              <a:r>
-                <a:rPr lang="en-US" sz="2500" b="0" dirty="0" smtClean="0">
-                  <a:solidFill>
-                    <a:schemeClr val="tx1"/>
-                  </a:solidFill>
-                  <a:latin typeface="Consolas" panose="020B0609020204030204" pitchFamily="49" charset="0"/>
-                </a:rPr>
-                <a:t>messenger</a:t>
-              </a:r>
-              <a:r>
-                <a:rPr lang="en-US" sz="2500" b="0" dirty="0" smtClean="0">
-                  <a:solidFill>
-                    <a:schemeClr val="bg1">
-                      <a:lumMod val="65000"/>
-                    </a:schemeClr>
-                  </a:solidFill>
-                  <a:latin typeface="Consolas" panose="020B0609020204030204" pitchFamily="49" charset="0"/>
-                </a:rPr>
-                <a:t>.</a:t>
-              </a:r>
-              <a:r>
-                <a:rPr lang="en-US" sz="2500" b="0" dirty="0" smtClean="0">
-                  <a:solidFill>
-                    <a:schemeClr val="tx1"/>
-                  </a:solidFill>
-                  <a:latin typeface="Consolas" panose="020B0609020204030204" pitchFamily="49" charset="0"/>
-                </a:rPr>
-                <a:t>constructor</a:t>
-              </a:r>
-              <a:r>
-                <a:rPr lang="en-US" sz="2500" b="0" dirty="0" smtClean="0">
-                  <a:solidFill>
-                    <a:schemeClr val="bg1">
-                      <a:lumMod val="65000"/>
-                    </a:schemeClr>
-                  </a:solidFill>
-                  <a:latin typeface="Consolas" panose="020B0609020204030204" pitchFamily="49" charset="0"/>
-                </a:rPr>
-                <a:t>.</a:t>
-              </a:r>
-              <a:r>
-                <a:rPr lang="en-US" sz="2500" b="0" dirty="0" smtClean="0">
-                  <a:solidFill>
-                    <a:schemeClr val="tx1"/>
-                  </a:solidFill>
-                  <a:latin typeface="Consolas" panose="020B0609020204030204" pitchFamily="49" charset="0"/>
-                </a:rPr>
-                <a:t>name</a:t>
-              </a:r>
-              <a:r>
-                <a:rPr lang="en-US" sz="2500" b="0" dirty="0">
-                  <a:solidFill>
-                    <a:schemeClr val="bg1">
-                      <a:lumMod val="65000"/>
-                    </a:schemeClr>
-                  </a:solidFill>
-                  <a:latin typeface="Consolas" panose="020B0609020204030204" pitchFamily="49" charset="0"/>
-                </a:rPr>
-                <a:t>);</a:t>
-              </a:r>
-              <a:endParaRPr lang="es-ES" sz="2500" b="0" dirty="0">
+          <a:prstGeom prst="rect">
+            <a:avLst/>
+          </a:prstGeom>
+          <a:solidFill>
+            <a:schemeClr val="bg1">
+              <a:lumMod val="95000"/>
+            </a:schemeClr>
+          </a:solidFill>
+          <a:ln w="12700">
+            <a:miter lim="400000"/>
+          </a:ln>
+          <a:extLst>
+            <a:ext uri="{C572A759-6A51-4108-AA02-DFA0A04FC94B}">
+              <ma14:wrappingTextBoxFlag xmlns="" xmlns:m="http://schemas.openxmlformats.org/officeDocument/2006/math" xmlns:a14="http://schemas.microsoft.com/office/drawing/2010/main" xmlns:ma14="http://schemas.microsoft.com/office/mac/drawingml/2011/main" val="1"/>
+            </a:ext>
+          </a:extLst>
+        </p:spPr>
+        <p:txBody>
+          <a:bodyPr wrap="square" lIns="50800" tIns="50800" rIns="50800" bIns="50800">
+            <a:spAutoFit/>
+          </a:bodyPr>
+          <a:lstStyle>
+            <a:lvl1pPr algn="l">
+              <a:lnSpc>
+                <a:spcPct val="70000"/>
+              </a:lnSpc>
+              <a:defRPr sz="7000" b="1">
+                <a:solidFill>
+                  <a:srgbClr val="3F3F3F"/>
+                </a:solidFill>
+                <a:latin typeface="+mj-lt"/>
+                <a:ea typeface="+mj-ea"/>
+                <a:cs typeface="+mj-cs"/>
+                <a:sym typeface="Helvetica"/>
+              </a:defRPr>
+            </a:lvl1pPr>
+          </a:lstStyle>
+          <a:p>
+            <a:pPr fontAlgn="base">
+              <a:lnSpc>
+                <a:spcPct val="114000"/>
+              </a:lnSpc>
+            </a:pPr>
+            <a:r>
+              <a:rPr lang="ru-RU" sz="2500" b="0" dirty="0">
                 <a:solidFill>
                   <a:schemeClr val="bg1">
                     <a:lumMod val="65000"/>
                   </a:schemeClr>
                 </a:solidFill>
                 <a:latin typeface="Consolas" panose="020B0609020204030204" pitchFamily="49" charset="0"/>
-              </a:endParaRPr>
-            </a:p>
-          </p:txBody>
-        </p:sp>
-        <p:sp>
-          <p:nvSpPr>
-            <p:cNvPr id="10" name="TextBox 9"/>
-            <p:cNvSpPr txBox="1"/>
-            <p:nvPr/>
-          </p:nvSpPr>
-          <p:spPr>
-            <a:xfrm>
-              <a:off x="1166453" y="6629482"/>
-              <a:ext cx="708624" cy="1418337"/>
-            </a:xfrm>
-            <a:prstGeom prst="rect">
-              <a:avLst/>
-            </a:prstGeom>
-            <a:solidFill>
-              <a:schemeClr val="bg1">
-                <a:lumMod val="95000"/>
-              </a:schemeClr>
-            </a:solidFill>
-            <a:ln w="12700" cap="flat">
-              <a:noFill/>
-              <a:miter lim="400000"/>
-            </a:ln>
-            <a:effectLst/>
-            <a:sp3d/>
-          </p:spPr>
-          <p:style>
-            <a:lnRef idx="0">
-              <a:scrgbClr r="0" g="0" b="0"/>
-            </a:lnRef>
-            <a:fillRef idx="0">
-              <a:scrgbClr r="0" g="0" b="0"/>
-            </a:fillRef>
-            <a:effectRef idx="0">
-              <a:scrgbClr r="0" g="0" b="0"/>
-            </a:effectRef>
-            <a:fontRef idx="none"/>
-          </p:style>
-          <p:txBody>
-            <a:bodyPr rot="0" spcFirstLastPara="1" vertOverflow="overflow" horzOverflow="overflow" vert="horz" wrap="square" lIns="50800" tIns="50800" rIns="50800" bIns="50800" numCol="1" spcCol="38100" rtlCol="0" anchor="ctr">
-              <a:spAutoFit/>
-            </a:bodyPr>
-            <a:lstStyle/>
-            <a:p>
-              <a:pPr marL="0" marR="0" indent="0" algn="ctr" defTabSz="825500" rtl="0" fontAlgn="auto" latinLnBrk="0" hangingPunct="0">
-                <a:lnSpc>
-                  <a:spcPct val="114000"/>
-                </a:lnSpc>
-                <a:spcBef>
-                  <a:spcPts val="0"/>
-                </a:spcBef>
-                <a:spcAft>
-                  <a:spcPts val="0"/>
-                </a:spcAft>
-                <a:buClrTx/>
-                <a:buSzTx/>
-                <a:buFontTx/>
-                <a:buNone/>
-                <a:tabLst/>
-              </a:pPr>
-              <a:r>
-                <a:rPr kumimoji="0" lang="en-US" sz="2500" b="0" i="0" u="none" strike="noStrike" cap="none" spc="0" normalizeH="0" baseline="0" dirty="0" smtClean="0">
-                  <a:ln>
-                    <a:noFill/>
-                  </a:ln>
-                  <a:solidFill>
-                    <a:schemeClr val="bg1">
-                      <a:lumMod val="65000"/>
-                    </a:schemeClr>
-                  </a:solidFill>
-                  <a:effectLst/>
-                  <a:uFillTx/>
-                  <a:latin typeface="Consolas" panose="020B0609020204030204" pitchFamily="49" charset="0"/>
-                  <a:sym typeface="Helvetica Light"/>
-                </a:rPr>
-                <a:t>1</a:t>
-              </a:r>
-              <a:br>
-                <a:rPr kumimoji="0" lang="en-US" sz="2500" b="0" i="0" u="none" strike="noStrike" cap="none" spc="0" normalizeH="0" baseline="0" dirty="0" smtClean="0">
-                  <a:ln>
-                    <a:noFill/>
-                  </a:ln>
-                  <a:solidFill>
-                    <a:schemeClr val="bg1">
-                      <a:lumMod val="65000"/>
-                    </a:schemeClr>
-                  </a:solidFill>
-                  <a:effectLst/>
-                  <a:uFillTx/>
-                  <a:latin typeface="Consolas" panose="020B0609020204030204" pitchFamily="49" charset="0"/>
-                  <a:sym typeface="Helvetica Light"/>
-                </a:rPr>
-              </a:br>
-              <a:r>
-                <a:rPr kumimoji="0" lang="en-US" sz="2500" b="0" i="0" u="none" strike="noStrike" cap="none" spc="0" normalizeH="0" baseline="0" dirty="0" smtClean="0">
-                  <a:ln>
-                    <a:noFill/>
-                  </a:ln>
-                  <a:solidFill>
-                    <a:schemeClr val="bg1">
-                      <a:lumMod val="65000"/>
-                    </a:schemeClr>
-                  </a:solidFill>
-                  <a:effectLst/>
-                  <a:uFillTx/>
-                  <a:latin typeface="Consolas" panose="020B0609020204030204" pitchFamily="49" charset="0"/>
-                  <a:sym typeface="Helvetica Light"/>
-                </a:rPr>
-                <a:t>2</a:t>
-              </a:r>
-              <a:br>
-                <a:rPr kumimoji="0" lang="en-US" sz="2500" b="0" i="0" u="none" strike="noStrike" cap="none" spc="0" normalizeH="0" baseline="0" dirty="0" smtClean="0">
-                  <a:ln>
-                    <a:noFill/>
-                  </a:ln>
-                  <a:solidFill>
-                    <a:schemeClr val="bg1">
-                      <a:lumMod val="65000"/>
-                    </a:schemeClr>
-                  </a:solidFill>
-                  <a:effectLst/>
-                  <a:uFillTx/>
-                  <a:latin typeface="Consolas" panose="020B0609020204030204" pitchFamily="49" charset="0"/>
-                  <a:sym typeface="Helvetica Light"/>
-                </a:rPr>
-              </a:br>
-              <a:r>
-                <a:rPr kumimoji="0" lang="en-US" sz="2500" b="0" i="0" u="none" strike="noStrike" cap="none" spc="0" normalizeH="0" baseline="0" dirty="0" smtClean="0">
-                  <a:ln>
-                    <a:noFill/>
-                  </a:ln>
-                  <a:solidFill>
-                    <a:schemeClr val="bg1">
-                      <a:lumMod val="65000"/>
-                    </a:schemeClr>
-                  </a:solidFill>
-                  <a:effectLst/>
-                  <a:uFillTx/>
-                  <a:latin typeface="Consolas" panose="020B0609020204030204" pitchFamily="49" charset="0"/>
-                  <a:sym typeface="Helvetica Light"/>
-                </a:rPr>
-                <a:t>3</a:t>
-              </a:r>
-              <a:endParaRPr kumimoji="0" lang="ru-RU" sz="2500" b="0" i="0" u="none" strike="noStrike" cap="none" spc="0" normalizeH="0" baseline="0" dirty="0" smtClean="0">
-                <a:ln>
-                  <a:noFill/>
-                </a:ln>
+              </a:rPr>
+              <a:t> </a:t>
+            </a:r>
+            <a:r>
+              <a:rPr lang="en-US" sz="2500" b="0" dirty="0">
+                <a:solidFill>
+                  <a:schemeClr val="tx1"/>
+                </a:solidFill>
+                <a:latin typeface="Consolas" panose="020B0609020204030204" pitchFamily="49" charset="0"/>
+              </a:rPr>
+              <a:t>console</a:t>
+            </a:r>
+            <a:r>
+              <a:rPr lang="en-US" sz="2500" b="0" dirty="0">
                 <a:solidFill>
                   <a:schemeClr val="bg1">
                     <a:lumMod val="65000"/>
                   </a:schemeClr>
                 </a:solidFill>
-                <a:effectLst/>
-                <a:uFillTx/>
                 <a:latin typeface="Consolas" panose="020B0609020204030204" pitchFamily="49" charset="0"/>
-                <a:sym typeface="Helvetica Light"/>
-              </a:endParaRPr>
-            </a:p>
-          </p:txBody>
-        </p:sp>
-      </p:grpSp>
+              </a:rPr>
+              <a:t>.</a:t>
+            </a:r>
+            <a:r>
+              <a:rPr lang="en-US" sz="2500" b="0" dirty="0">
+                <a:solidFill>
+                  <a:schemeClr val="accent5">
+                    <a:lumMod val="60000"/>
+                    <a:lumOff val="40000"/>
+                  </a:schemeClr>
+                </a:solidFill>
+                <a:latin typeface="Consolas" panose="020B0609020204030204" pitchFamily="49" charset="0"/>
+              </a:rPr>
+              <a:t>log</a:t>
+            </a:r>
+            <a:r>
+              <a:rPr lang="en-US" sz="2500" b="0" dirty="0">
+                <a:solidFill>
+                  <a:schemeClr val="bg1">
+                    <a:lumMod val="65000"/>
+                  </a:schemeClr>
+                </a:solidFill>
+                <a:latin typeface="Consolas" panose="020B0609020204030204" pitchFamily="49" charset="0"/>
+              </a:rPr>
+              <a:t>(</a:t>
+            </a:r>
+            <a:r>
+              <a:rPr lang="en-US" sz="2500" b="0" dirty="0" err="1">
+                <a:solidFill>
+                  <a:schemeClr val="accent1"/>
+                </a:solidFill>
+                <a:latin typeface="Consolas" panose="020B0609020204030204" pitchFamily="49" charset="0"/>
+              </a:rPr>
+              <a:t>typeof</a:t>
+            </a:r>
+            <a:r>
+              <a:rPr lang="en-US" sz="2500" b="0" dirty="0">
+                <a:solidFill>
+                  <a:schemeClr val="bg1">
+                    <a:lumMod val="65000"/>
+                  </a:schemeClr>
+                </a:solidFill>
+                <a:latin typeface="Consolas" panose="020B0609020204030204" pitchFamily="49" charset="0"/>
+              </a:rPr>
+              <a:t> </a:t>
+            </a:r>
+            <a:r>
+              <a:rPr lang="en-US" sz="2500" b="0" dirty="0">
+                <a:solidFill>
+                  <a:schemeClr val="tx1"/>
+                </a:solidFill>
+                <a:latin typeface="Consolas" panose="020B0609020204030204" pitchFamily="49" charset="0"/>
+              </a:rPr>
+              <a:t>Messenger</a:t>
+            </a:r>
+            <a:r>
+              <a:rPr lang="en-US" sz="2500" b="0" dirty="0">
+                <a:solidFill>
+                  <a:schemeClr val="bg1">
+                    <a:lumMod val="65000"/>
+                  </a:schemeClr>
+                </a:solidFill>
+                <a:latin typeface="Consolas" panose="020B0609020204030204" pitchFamily="49" charset="0"/>
+              </a:rPr>
+              <a:t>); // </a:t>
+            </a:r>
+            <a:r>
+              <a:rPr lang="en-US" sz="2500" b="0" dirty="0" smtClean="0">
+                <a:solidFill>
+                  <a:schemeClr val="bg1">
+                    <a:lumMod val="65000"/>
+                  </a:schemeClr>
+                </a:solidFill>
+                <a:latin typeface="Consolas" panose="020B0609020204030204" pitchFamily="49" charset="0"/>
+              </a:rPr>
+              <a:t>function</a:t>
+            </a:r>
+          </a:p>
+          <a:p>
+            <a:pPr fontAlgn="base">
+              <a:lnSpc>
+                <a:spcPct val="114000"/>
+              </a:lnSpc>
+            </a:pPr>
+            <a:r>
+              <a:rPr lang="en-US" sz="2500" b="0" dirty="0" smtClean="0">
+                <a:solidFill>
+                  <a:schemeClr val="bg1">
+                    <a:lumMod val="65000"/>
+                  </a:schemeClr>
+                </a:solidFill>
+                <a:latin typeface="Consolas" panose="020B0609020204030204" pitchFamily="49" charset="0"/>
+              </a:rPr>
+              <a:t> </a:t>
+            </a:r>
+            <a:r>
+              <a:rPr lang="en-US" sz="2500" b="0" dirty="0" smtClean="0">
+                <a:solidFill>
+                  <a:schemeClr val="tx1"/>
+                </a:solidFill>
+                <a:latin typeface="Consolas" panose="020B0609020204030204" pitchFamily="49" charset="0"/>
+              </a:rPr>
+              <a:t>console</a:t>
+            </a:r>
+            <a:r>
+              <a:rPr lang="en-US" sz="2500" b="0" dirty="0" smtClean="0">
+                <a:solidFill>
+                  <a:schemeClr val="bg1">
+                    <a:lumMod val="65000"/>
+                  </a:schemeClr>
+                </a:solidFill>
+                <a:latin typeface="Consolas" panose="020B0609020204030204" pitchFamily="49" charset="0"/>
+              </a:rPr>
+              <a:t>.</a:t>
+            </a:r>
+            <a:r>
+              <a:rPr lang="en-US" sz="2500" b="0" dirty="0" smtClean="0">
+                <a:solidFill>
+                  <a:schemeClr val="accent5">
+                    <a:lumMod val="60000"/>
+                    <a:lumOff val="40000"/>
+                  </a:schemeClr>
+                </a:solidFill>
+                <a:latin typeface="Consolas" panose="020B0609020204030204" pitchFamily="49" charset="0"/>
+              </a:rPr>
+              <a:t>log</a:t>
+            </a:r>
+            <a:r>
+              <a:rPr lang="en-US" sz="2500" b="0" dirty="0" smtClean="0">
+                <a:solidFill>
+                  <a:schemeClr val="bg1">
+                    <a:lumMod val="65000"/>
+                  </a:schemeClr>
+                </a:solidFill>
+                <a:latin typeface="Consolas" panose="020B0609020204030204" pitchFamily="49" charset="0"/>
+              </a:rPr>
+              <a:t>(</a:t>
+            </a:r>
+            <a:r>
+              <a:rPr lang="en-US" sz="2500" b="0" dirty="0" smtClean="0">
+                <a:solidFill>
+                  <a:schemeClr val="tx1"/>
+                </a:solidFill>
+                <a:latin typeface="Consolas" panose="020B0609020204030204" pitchFamily="49" charset="0"/>
+              </a:rPr>
+              <a:t>M</a:t>
+            </a:r>
+            <a:r>
+              <a:rPr lang="en-US" sz="2500" b="0" dirty="0" smtClean="0">
+                <a:solidFill>
+                  <a:schemeClr val="tx1"/>
+                </a:solidFill>
+                <a:latin typeface="Consolas" panose="020B0609020204030204" pitchFamily="49" charset="0"/>
+              </a:rPr>
+              <a:t>essenger</a:t>
+            </a:r>
+            <a:r>
+              <a:rPr lang="en-US" sz="2500" b="0" dirty="0" smtClean="0">
+                <a:solidFill>
+                  <a:schemeClr val="bg1">
+                    <a:lumMod val="65000"/>
+                  </a:schemeClr>
+                </a:solidFill>
+                <a:latin typeface="Consolas" panose="020B0609020204030204" pitchFamily="49" charset="0"/>
+              </a:rPr>
+              <a:t>);</a:t>
+            </a:r>
+            <a:endParaRPr lang="es-ES" sz="2500" b="0" dirty="0">
+              <a:solidFill>
+                <a:schemeClr val="bg1">
+                  <a:lumMod val="65000"/>
+                </a:schemeClr>
+              </a:solidFill>
+              <a:latin typeface="Consolas" panose="020B0609020204030204" pitchFamily="49" charset="0"/>
+            </a:endParaRPr>
+          </a:p>
+        </p:txBody>
+      </p:sp>
       <p:sp>
         <p:nvSpPr>
           <p:cNvPr id="11" name="Прямоугольник 1"/>
@@ -20068,7 +19760,7 @@
           </a:ln>
           <a:extLst>
             <a:ext uri="{C572A759-6A51-4108-AA02-DFA0A04FC94B}">
-              <ma14:wrappingTextBoxFlag xmlns:ma14="http://schemas.microsoft.com/office/mac/drawingml/2011/main" xmlns:a14="http://schemas.microsoft.com/office/drawing/2010/main" xmlns:m="http://schemas.openxmlformats.org/officeDocument/2006/math" xmlns="" val="1"/>
+              <ma14:wrappingTextBoxFlag xmlns="" xmlns:m="http://schemas.openxmlformats.org/officeDocument/2006/math" xmlns:a14="http://schemas.microsoft.com/office/drawing/2010/main" xmlns:ma14="http://schemas.microsoft.com/office/mac/drawingml/2011/main" val="1"/>
             </a:ext>
           </a:extLst>
         </p:spPr>
@@ -20323,7 +20015,7 @@
           </a:ln>
           <a:extLst>
             <a:ext uri="{C572A759-6A51-4108-AA02-DFA0A04FC94B}">
-              <ma14:wrappingTextBoxFlag xmlns:ma14="http://schemas.microsoft.com/office/mac/drawingml/2011/main" xmlns:a14="http://schemas.microsoft.com/office/drawing/2010/main" xmlns:m="http://schemas.openxmlformats.org/officeDocument/2006/math" xmlns="" val="1"/>
+              <ma14:wrappingTextBoxFlag xmlns="" xmlns:m="http://schemas.openxmlformats.org/officeDocument/2006/math" xmlns:a14="http://schemas.microsoft.com/office/drawing/2010/main" xmlns:ma14="http://schemas.microsoft.com/office/mac/drawingml/2011/main" val="1"/>
             </a:ext>
           </a:extLst>
         </p:spPr>
@@ -20408,7 +20100,7 @@
           </a:ln>
           <a:extLst>
             <a:ext uri="{C572A759-6A51-4108-AA02-DFA0A04FC94B}">
-              <ma14:wrappingTextBoxFlag xmlns:ma14="http://schemas.microsoft.com/office/mac/drawingml/2011/main" xmlns:a14="http://schemas.microsoft.com/office/drawing/2010/main" xmlns:m="http://schemas.openxmlformats.org/officeDocument/2006/math" xmlns="" val="1"/>
+              <ma14:wrappingTextBoxFlag xmlns="" xmlns:m="http://schemas.openxmlformats.org/officeDocument/2006/math" xmlns:a14="http://schemas.microsoft.com/office/drawing/2010/main" xmlns:ma14="http://schemas.microsoft.com/office/mac/drawingml/2011/main" val="1"/>
             </a:ext>
           </a:extLst>
         </p:spPr>
@@ -20876,7 +20568,7 @@
           </a:ln>
           <a:extLst>
             <a:ext uri="{C572A759-6A51-4108-AA02-DFA0A04FC94B}">
-              <ma14:wrappingTextBoxFlag xmlns:ma14="http://schemas.microsoft.com/office/mac/drawingml/2011/main" xmlns:a14="http://schemas.microsoft.com/office/drawing/2010/main" xmlns:m="http://schemas.openxmlformats.org/officeDocument/2006/math" xmlns="" val="1"/>
+              <ma14:wrappingTextBoxFlag xmlns="" xmlns:m="http://schemas.openxmlformats.org/officeDocument/2006/math" xmlns:a14="http://schemas.microsoft.com/office/drawing/2010/main" xmlns:ma14="http://schemas.microsoft.com/office/mac/drawingml/2011/main" val="1"/>
             </a:ext>
           </a:extLst>
         </p:spPr>
@@ -20970,7 +20662,7 @@
             </a:ln>
             <a:extLst>
               <a:ext uri="{C572A759-6A51-4108-AA02-DFA0A04FC94B}">
-                <ma14:wrappingTextBoxFlag xmlns:ma14="http://schemas.microsoft.com/office/mac/drawingml/2011/main" xmlns:a14="http://schemas.microsoft.com/office/drawing/2010/main" xmlns:m="http://schemas.openxmlformats.org/officeDocument/2006/math" xmlns="" val="1"/>
+                <ma14:wrappingTextBoxFlag xmlns="" xmlns:m="http://schemas.openxmlformats.org/officeDocument/2006/math" xmlns:a14="http://schemas.microsoft.com/office/drawing/2010/main" xmlns:ma14="http://schemas.microsoft.com/office/mac/drawingml/2011/main" val="1"/>
               </a:ext>
             </a:extLst>
           </p:spPr>
@@ -21228,7 +20920,7 @@
           </a:ln>
           <a:extLst>
             <a:ext uri="{C572A759-6A51-4108-AA02-DFA0A04FC94B}">
-              <ma14:wrappingTextBoxFlag xmlns:ma14="http://schemas.microsoft.com/office/mac/drawingml/2011/main" xmlns:a14="http://schemas.microsoft.com/office/drawing/2010/main" xmlns:m="http://schemas.openxmlformats.org/officeDocument/2006/math" xmlns="" val="1"/>
+              <ma14:wrappingTextBoxFlag xmlns="" xmlns:m="http://schemas.openxmlformats.org/officeDocument/2006/math" xmlns:a14="http://schemas.microsoft.com/office/drawing/2010/main" xmlns:ma14="http://schemas.microsoft.com/office/mac/drawingml/2011/main" val="1"/>
             </a:ext>
           </a:extLst>
         </p:spPr>
@@ -21322,7 +21014,7 @@
             </a:ln>
             <a:extLst>
               <a:ext uri="{C572A759-6A51-4108-AA02-DFA0A04FC94B}">
-                <ma14:wrappingTextBoxFlag xmlns:ma14="http://schemas.microsoft.com/office/mac/drawingml/2011/main" xmlns:a14="http://schemas.microsoft.com/office/drawing/2010/main" xmlns:m="http://schemas.openxmlformats.org/officeDocument/2006/math" xmlns="" val="1"/>
+                <ma14:wrappingTextBoxFlag xmlns="" xmlns:m="http://schemas.openxmlformats.org/officeDocument/2006/math" xmlns:a14="http://schemas.microsoft.com/office/drawing/2010/main" xmlns:ma14="http://schemas.microsoft.com/office/mac/drawingml/2011/main" val="1"/>
               </a:ext>
             </a:extLst>
           </p:spPr>
@@ -21514,7 +21206,7 @@
           </a:ln>
           <a:extLst>
             <a:ext uri="{C572A759-6A51-4108-AA02-DFA0A04FC94B}">
-              <ma14:wrappingTextBoxFlag xmlns:ma14="http://schemas.microsoft.com/office/mac/drawingml/2011/main" xmlns:a14="http://schemas.microsoft.com/office/drawing/2010/main" xmlns:m="http://schemas.openxmlformats.org/officeDocument/2006/math" xmlns="" val="1"/>
+              <ma14:wrappingTextBoxFlag xmlns="" xmlns:m="http://schemas.openxmlformats.org/officeDocument/2006/math" xmlns:a14="http://schemas.microsoft.com/office/drawing/2010/main" xmlns:ma14="http://schemas.microsoft.com/office/mac/drawingml/2011/main" val="1"/>
             </a:ext>
           </a:extLst>
         </p:spPr>
@@ -21713,7 +21405,7 @@
           </a:ln>
           <a:extLst>
             <a:ext uri="{C572A759-6A51-4108-AA02-DFA0A04FC94B}">
-              <ma14:wrappingTextBoxFlag xmlns:ma14="http://schemas.microsoft.com/office/mac/drawingml/2011/main" xmlns:a14="http://schemas.microsoft.com/office/drawing/2010/main" xmlns:m="http://schemas.openxmlformats.org/officeDocument/2006/math" xmlns="" val="1"/>
+              <ma14:wrappingTextBoxFlag xmlns="" xmlns:m="http://schemas.openxmlformats.org/officeDocument/2006/math" xmlns:a14="http://schemas.microsoft.com/office/drawing/2010/main" xmlns:ma14="http://schemas.microsoft.com/office/mac/drawingml/2011/main" val="1"/>
             </a:ext>
           </a:extLst>
         </p:spPr>
@@ -21808,7 +21500,7 @@
             </a:ln>
             <a:extLst>
               <a:ext uri="{C572A759-6A51-4108-AA02-DFA0A04FC94B}">
-                <ma14:wrappingTextBoxFlag xmlns:ma14="http://schemas.microsoft.com/office/mac/drawingml/2011/main" xmlns:a14="http://schemas.microsoft.com/office/drawing/2010/main" xmlns:m="http://schemas.openxmlformats.org/officeDocument/2006/math" xmlns="" val="1"/>
+                <ma14:wrappingTextBoxFlag xmlns="" xmlns:m="http://schemas.openxmlformats.org/officeDocument/2006/math" xmlns:a14="http://schemas.microsoft.com/office/drawing/2010/main" xmlns:ma14="http://schemas.microsoft.com/office/mac/drawingml/2011/main" val="1"/>
               </a:ext>
             </a:extLst>
           </p:spPr>
@@ -21979,7 +21671,7 @@
           </a:ln>
           <a:extLst>
             <a:ext uri="{C572A759-6A51-4108-AA02-DFA0A04FC94B}">
-              <ma14:wrappingTextBoxFlag xmlns:ma14="http://schemas.microsoft.com/office/mac/drawingml/2011/main" xmlns:a14="http://schemas.microsoft.com/office/drawing/2010/main" xmlns:m="http://schemas.openxmlformats.org/officeDocument/2006/math" xmlns="" val="1"/>
+              <ma14:wrappingTextBoxFlag xmlns="" xmlns:m="http://schemas.openxmlformats.org/officeDocument/2006/math" xmlns:a14="http://schemas.microsoft.com/office/drawing/2010/main" xmlns:ma14="http://schemas.microsoft.com/office/mac/drawingml/2011/main" val="1"/>
             </a:ext>
           </a:extLst>
         </p:spPr>
@@ -22039,7 +21731,7 @@
           </a:ln>
           <a:extLst>
             <a:ext uri="{C572A759-6A51-4108-AA02-DFA0A04FC94B}">
-              <ma14:wrappingTextBoxFlag xmlns:ma14="http://schemas.microsoft.com/office/mac/drawingml/2011/main" xmlns:a14="http://schemas.microsoft.com/office/drawing/2010/main" xmlns:m="http://schemas.openxmlformats.org/officeDocument/2006/math" xmlns="" val="1"/>
+              <ma14:wrappingTextBoxFlag xmlns="" xmlns:m="http://schemas.openxmlformats.org/officeDocument/2006/math" xmlns:a14="http://schemas.microsoft.com/office/drawing/2010/main" xmlns:ma14="http://schemas.microsoft.com/office/mac/drawingml/2011/main" val="1"/>
             </a:ext>
           </a:extLst>
         </p:spPr>
@@ -22113,7 +21805,7 @@
             </a:ln>
             <a:extLst>
               <a:ext uri="{C572A759-6A51-4108-AA02-DFA0A04FC94B}">
-                <ma14:wrappingTextBoxFlag xmlns:ma14="http://schemas.microsoft.com/office/mac/drawingml/2011/main" xmlns:a14="http://schemas.microsoft.com/office/drawing/2010/main" xmlns:m="http://schemas.openxmlformats.org/officeDocument/2006/math" xmlns="" val="1"/>
+                <ma14:wrappingTextBoxFlag xmlns="" xmlns:m="http://schemas.openxmlformats.org/officeDocument/2006/math" xmlns:a14="http://schemas.microsoft.com/office/drawing/2010/main" xmlns:ma14="http://schemas.microsoft.com/office/mac/drawingml/2011/main" val="1"/>
               </a:ext>
             </a:extLst>
           </p:spPr>
@@ -22327,7 +22019,7 @@
           </a:ln>
           <a:extLst>
             <a:ext uri="{C572A759-6A51-4108-AA02-DFA0A04FC94B}">
-              <ma14:wrappingTextBoxFlag xmlns:ma14="http://schemas.microsoft.com/office/mac/drawingml/2011/main" xmlns:a14="http://schemas.microsoft.com/office/drawing/2010/main" xmlns:m="http://schemas.openxmlformats.org/officeDocument/2006/math" xmlns="" val="1"/>
+              <ma14:wrappingTextBoxFlag xmlns="" xmlns:m="http://schemas.openxmlformats.org/officeDocument/2006/math" xmlns:a14="http://schemas.microsoft.com/office/drawing/2010/main" xmlns:ma14="http://schemas.microsoft.com/office/mac/drawingml/2011/main" val="1"/>
             </a:ext>
           </a:extLst>
         </p:spPr>
@@ -22432,7 +22124,7 @@
             </a:ln>
             <a:extLst>
               <a:ext uri="{C572A759-6A51-4108-AA02-DFA0A04FC94B}">
-                <ma14:wrappingTextBoxFlag xmlns:ma14="http://schemas.microsoft.com/office/mac/drawingml/2011/main" xmlns:a14="http://schemas.microsoft.com/office/drawing/2010/main" xmlns:m="http://schemas.openxmlformats.org/officeDocument/2006/math" xmlns="" val="1"/>
+                <ma14:wrappingTextBoxFlag xmlns="" xmlns:m="http://schemas.openxmlformats.org/officeDocument/2006/math" xmlns:a14="http://schemas.microsoft.com/office/drawing/2010/main" xmlns:ma14="http://schemas.microsoft.com/office/mac/drawingml/2011/main" val="1"/>
               </a:ext>
             </a:extLst>
           </p:spPr>
@@ -23072,7 +22764,7 @@
           </a:ln>
           <a:extLst>
             <a:ext uri="{C572A759-6A51-4108-AA02-DFA0A04FC94B}">
-              <ma14:wrappingTextBoxFlag xmlns:ma14="http://schemas.microsoft.com/office/mac/drawingml/2011/main" xmlns:a14="http://schemas.microsoft.com/office/drawing/2010/main" xmlns:m="http://schemas.openxmlformats.org/officeDocument/2006/math" xmlns="" val="1"/>
+              <ma14:wrappingTextBoxFlag xmlns="" xmlns:m="http://schemas.openxmlformats.org/officeDocument/2006/math" xmlns:a14="http://schemas.microsoft.com/office/drawing/2010/main" xmlns:ma14="http://schemas.microsoft.com/office/mac/drawingml/2011/main" val="1"/>
             </a:ext>
           </a:extLst>
         </p:spPr>
@@ -23132,7 +22824,7 @@
           </a:ln>
           <a:extLst>
             <a:ext uri="{C572A759-6A51-4108-AA02-DFA0A04FC94B}">
-              <ma14:wrappingTextBoxFlag xmlns:ma14="http://schemas.microsoft.com/office/mac/drawingml/2011/main" xmlns:a14="http://schemas.microsoft.com/office/drawing/2010/main" xmlns:m="http://schemas.openxmlformats.org/officeDocument/2006/math" xmlns="" val="1"/>
+              <ma14:wrappingTextBoxFlag xmlns="" xmlns:m="http://schemas.openxmlformats.org/officeDocument/2006/math" xmlns:a14="http://schemas.microsoft.com/office/drawing/2010/main" xmlns:ma14="http://schemas.microsoft.com/office/mac/drawingml/2011/main" val="1"/>
             </a:ext>
           </a:extLst>
         </p:spPr>
@@ -23164,7 +22856,31 @@
               <a:rPr lang="ru-RU" sz="4000" dirty="0">
                 <a:sym typeface="Helvetica"/>
               </a:rPr>
-              <a:t>Все существующие свойства уже наследуются.</a:t>
+              <a:t>Все существующие свойства уже </a:t>
+            </a:r>
+            <a:r>
+              <a:rPr lang="ru-RU" sz="4000" dirty="0">
+                <a:sym typeface="Helvetica"/>
+              </a:rPr>
+              <a:t>«</a:t>
+            </a:r>
+            <a:r>
+              <a:rPr lang="ru-RU" sz="4000" dirty="0" smtClean="0">
+                <a:sym typeface="Helvetica"/>
+              </a:rPr>
+              <a:t>наследуются</a:t>
+            </a:r>
+            <a:r>
+              <a:rPr lang="ru-RU" sz="4000" dirty="0">
+                <a:sym typeface="Helvetica"/>
+              </a:rPr>
+              <a:t>»</a:t>
+            </a:r>
+            <a:r>
+              <a:rPr lang="ru-RU" sz="4000" dirty="0" smtClean="0">
+                <a:sym typeface="Helvetica"/>
+              </a:rPr>
+              <a:t>.</a:t>
             </a:r>
             <a:endParaRPr lang="ru-RU" sz="4000" dirty="0">
               <a:latin typeface="+mj-lt"/>
@@ -23230,7 +22946,7 @@
           </a:ln>
           <a:extLst>
             <a:ext uri="{C572A759-6A51-4108-AA02-DFA0A04FC94B}">
-              <ma14:wrappingTextBoxFlag xmlns:ma14="http://schemas.microsoft.com/office/mac/drawingml/2011/main" xmlns:a14="http://schemas.microsoft.com/office/drawing/2010/main" xmlns:m="http://schemas.openxmlformats.org/officeDocument/2006/math" xmlns="" val="1"/>
+              <ma14:wrappingTextBoxFlag xmlns="" xmlns:m="http://schemas.openxmlformats.org/officeDocument/2006/math" xmlns:a14="http://schemas.microsoft.com/office/drawing/2010/main" xmlns:ma14="http://schemas.microsoft.com/office/mac/drawingml/2011/main" val="1"/>
             </a:ext>
           </a:extLst>
         </p:spPr>
@@ -23412,7 +23128,7 @@
           </a:ln>
           <a:extLst>
             <a:ext uri="{C572A759-6A51-4108-AA02-DFA0A04FC94B}">
-              <ma14:wrappingTextBoxFlag xmlns:ma14="http://schemas.microsoft.com/office/mac/drawingml/2011/main" xmlns:a14="http://schemas.microsoft.com/office/drawing/2010/main" xmlns:m="http://schemas.openxmlformats.org/officeDocument/2006/math" xmlns="" val="1"/>
+              <ma14:wrappingTextBoxFlag xmlns="" xmlns:m="http://schemas.openxmlformats.org/officeDocument/2006/math" xmlns:a14="http://schemas.microsoft.com/office/drawing/2010/main" xmlns:ma14="http://schemas.microsoft.com/office/mac/drawingml/2011/main" val="1"/>
             </a:ext>
           </a:extLst>
         </p:spPr>
@@ -23506,7 +23222,7 @@
             </a:ln>
             <a:extLst>
               <a:ext uri="{C572A759-6A51-4108-AA02-DFA0A04FC94B}">
-                <ma14:wrappingTextBoxFlag xmlns:ma14="http://schemas.microsoft.com/office/mac/drawingml/2011/main" xmlns:a14="http://schemas.microsoft.com/office/drawing/2010/main" xmlns:m="http://schemas.openxmlformats.org/officeDocument/2006/math" xmlns="" val="1"/>
+                <ma14:wrappingTextBoxFlag xmlns="" xmlns:m="http://schemas.openxmlformats.org/officeDocument/2006/math" xmlns:a14="http://schemas.microsoft.com/office/drawing/2010/main" xmlns:ma14="http://schemas.microsoft.com/office/mac/drawingml/2011/main" val="1"/>
               </a:ext>
             </a:extLst>
           </p:spPr>
@@ -23591,7 +23307,7 @@
                 </a:defRPr>
               </a:pPr>
               <a:r>
-                <a:rPr lang="ru-RU" sz="4000" dirty="0">
+                <a:rPr lang="ru-RU" sz="4000" dirty="0" smtClean="0">
                   <a:solidFill>
                     <a:schemeClr val="bg1">
                       <a:lumMod val="65000"/>
@@ -23602,6 +23318,15 @@
                 </a:rPr>
                 <a:t>Наследование не всегда является хорошим решением, но это вопрос архитектуры</a:t>
               </a:r>
+              <a:endParaRPr lang="ru-RU" sz="4000" dirty="0">
+                <a:solidFill>
+                  <a:schemeClr val="bg1">
+                    <a:lumMod val="65000"/>
+                  </a:schemeClr>
+                </a:solidFill>
+                <a:latin typeface="+mj-lt"/>
+                <a:sym typeface="Helvetica"/>
+              </a:endParaRPr>
             </a:p>
           </p:txBody>
         </p:sp>
@@ -23709,7 +23434,7 @@
           </a:ln>
           <a:extLst>
             <a:ext uri="{C572A759-6A51-4108-AA02-DFA0A04FC94B}">
-              <ma14:wrappingTextBoxFlag xmlns:ma14="http://schemas.microsoft.com/office/mac/drawingml/2011/main" xmlns:a14="http://schemas.microsoft.com/office/drawing/2010/main" xmlns:m="http://schemas.openxmlformats.org/officeDocument/2006/math" xmlns="" val="1"/>
+              <ma14:wrappingTextBoxFlag xmlns="" xmlns:m="http://schemas.openxmlformats.org/officeDocument/2006/math" xmlns:a14="http://schemas.microsoft.com/office/drawing/2010/main" xmlns:ma14="http://schemas.microsoft.com/office/mac/drawingml/2011/main" val="1"/>
             </a:ext>
           </a:extLst>
         </p:spPr>
@@ -23836,7 +23561,7 @@
           </a:ln>
           <a:extLst>
             <a:ext uri="{C572A759-6A51-4108-AA02-DFA0A04FC94B}">
-              <ma14:wrappingTextBoxFlag xmlns:ma14="http://schemas.microsoft.com/office/mac/drawingml/2011/main" xmlns:a14="http://schemas.microsoft.com/office/drawing/2010/main" xmlns:m="http://schemas.openxmlformats.org/officeDocument/2006/math" xmlns="" val="1"/>
+              <ma14:wrappingTextBoxFlag xmlns="" xmlns:m="http://schemas.openxmlformats.org/officeDocument/2006/math" xmlns:a14="http://schemas.microsoft.com/office/drawing/2010/main" xmlns:ma14="http://schemas.microsoft.com/office/mac/drawingml/2011/main" val="1"/>
             </a:ext>
           </a:extLst>
         </p:spPr>
@@ -23940,7 +23665,7 @@
             </a:ln>
             <a:extLst>
               <a:ext uri="{C572A759-6A51-4108-AA02-DFA0A04FC94B}">
-                <ma14:wrappingTextBoxFlag xmlns:ma14="http://schemas.microsoft.com/office/mac/drawingml/2011/main" xmlns:a14="http://schemas.microsoft.com/office/drawing/2010/main" xmlns:m="http://schemas.openxmlformats.org/officeDocument/2006/math" xmlns="" val="1"/>
+                <ma14:wrappingTextBoxFlag xmlns="" xmlns:m="http://schemas.openxmlformats.org/officeDocument/2006/math" xmlns:a14="http://schemas.microsoft.com/office/drawing/2010/main" xmlns:ma14="http://schemas.microsoft.com/office/mac/drawingml/2011/main" val="1"/>
               </a:ext>
             </a:extLst>
           </p:spPr>
@@ -24823,7 +24548,7 @@
           </a:ln>
           <a:extLst>
             <a:ext uri="{C572A759-6A51-4108-AA02-DFA0A04FC94B}">
-              <ma14:wrappingTextBoxFlag xmlns:ma14="http://schemas.microsoft.com/office/mac/drawingml/2011/main" xmlns:a14="http://schemas.microsoft.com/office/drawing/2010/main" xmlns:m="http://schemas.openxmlformats.org/officeDocument/2006/math" xmlns="" val="1"/>
+              <ma14:wrappingTextBoxFlag xmlns="" xmlns:m="http://schemas.openxmlformats.org/officeDocument/2006/math" xmlns:a14="http://schemas.microsoft.com/office/drawing/2010/main" xmlns:ma14="http://schemas.microsoft.com/office/mac/drawingml/2011/main" val="1"/>
             </a:ext>
           </a:extLst>
         </p:spPr>
@@ -24904,7 +24629,7 @@
           </a:ln>
           <a:extLst>
             <a:ext uri="{C572A759-6A51-4108-AA02-DFA0A04FC94B}">
-              <ma14:wrappingTextBoxFlag xmlns:ma14="http://schemas.microsoft.com/office/mac/drawingml/2011/main" xmlns:a14="http://schemas.microsoft.com/office/drawing/2010/main" xmlns:m="http://schemas.openxmlformats.org/officeDocument/2006/math" xmlns="" val="1"/>
+              <ma14:wrappingTextBoxFlag xmlns="" xmlns:m="http://schemas.openxmlformats.org/officeDocument/2006/math" xmlns:a14="http://schemas.microsoft.com/office/drawing/2010/main" xmlns:ma14="http://schemas.microsoft.com/office/mac/drawingml/2011/main" val="1"/>
             </a:ext>
           </a:extLst>
         </p:spPr>
@@ -25164,7 +24889,7 @@
           </a:ln>
           <a:extLst>
             <a:ext uri="{C572A759-6A51-4108-AA02-DFA0A04FC94B}">
-              <ma14:wrappingTextBoxFlag xmlns:ma14="http://schemas.microsoft.com/office/mac/drawingml/2011/main" xmlns:a14="http://schemas.microsoft.com/office/drawing/2010/main" xmlns:m="http://schemas.openxmlformats.org/officeDocument/2006/math" xmlns="" val="1"/>
+              <ma14:wrappingTextBoxFlag xmlns="" xmlns:m="http://schemas.openxmlformats.org/officeDocument/2006/math" xmlns:a14="http://schemas.microsoft.com/office/drawing/2010/main" xmlns:ma14="http://schemas.microsoft.com/office/mac/drawingml/2011/main" val="1"/>
             </a:ext>
           </a:extLst>
         </p:spPr>
@@ -25279,7 +25004,7 @@
           </a:ln>
           <a:extLst>
             <a:ext uri="{C572A759-6A51-4108-AA02-DFA0A04FC94B}">
-              <ma14:wrappingTextBoxFlag xmlns:ma14="http://schemas.microsoft.com/office/mac/drawingml/2011/main" xmlns:a14="http://schemas.microsoft.com/office/drawing/2010/main" xmlns:m="http://schemas.openxmlformats.org/officeDocument/2006/math" xmlns="" val="1"/>
+              <ma14:wrappingTextBoxFlag xmlns="" xmlns:m="http://schemas.openxmlformats.org/officeDocument/2006/math" xmlns:a14="http://schemas.microsoft.com/office/drawing/2010/main" xmlns:ma14="http://schemas.microsoft.com/office/mac/drawingml/2011/main" val="1"/>
             </a:ext>
           </a:extLst>
         </p:spPr>
@@ -25350,7 +25075,7 @@
           </a:ln>
           <a:extLst>
             <a:ext uri="{C572A759-6A51-4108-AA02-DFA0A04FC94B}">
-              <ma14:wrappingTextBoxFlag xmlns:ma14="http://schemas.microsoft.com/office/mac/drawingml/2011/main" xmlns:a14="http://schemas.microsoft.com/office/drawing/2010/main" xmlns:m="http://schemas.openxmlformats.org/officeDocument/2006/math" xmlns="" val="1"/>
+              <ma14:wrappingTextBoxFlag xmlns="" xmlns:m="http://schemas.openxmlformats.org/officeDocument/2006/math" xmlns:a14="http://schemas.microsoft.com/office/drawing/2010/main" xmlns:ma14="http://schemas.microsoft.com/office/mac/drawingml/2011/main" val="1"/>
             </a:ext>
           </a:extLst>
         </p:spPr>
@@ -25529,7 +25254,7 @@
           </a:ln>
           <a:extLst>
             <a:ext uri="{C572A759-6A51-4108-AA02-DFA0A04FC94B}">
-              <ma14:wrappingTextBoxFlag xmlns:ma14="http://schemas.microsoft.com/office/mac/drawingml/2011/main" xmlns:a14="http://schemas.microsoft.com/office/drawing/2010/main" xmlns:m="http://schemas.openxmlformats.org/officeDocument/2006/math" xmlns="" val="1"/>
+              <ma14:wrappingTextBoxFlag xmlns="" xmlns:m="http://schemas.openxmlformats.org/officeDocument/2006/math" xmlns:a14="http://schemas.microsoft.com/office/drawing/2010/main" xmlns:ma14="http://schemas.microsoft.com/office/mac/drawingml/2011/main" val="1"/>
             </a:ext>
           </a:extLst>
         </p:spPr>
@@ -25628,7 +25353,7 @@
           </a:ln>
           <a:extLst>
             <a:ext uri="{C572A759-6A51-4108-AA02-DFA0A04FC94B}">
-              <ma14:wrappingTextBoxFlag xmlns:ma14="http://schemas.microsoft.com/office/mac/drawingml/2011/main" xmlns:a14="http://schemas.microsoft.com/office/drawing/2010/main" xmlns:m="http://schemas.openxmlformats.org/officeDocument/2006/math" xmlns="" val="1"/>
+              <ma14:wrappingTextBoxFlag xmlns="" xmlns:m="http://schemas.openxmlformats.org/officeDocument/2006/math" xmlns:a14="http://schemas.microsoft.com/office/drawing/2010/main" xmlns:ma14="http://schemas.microsoft.com/office/mac/drawingml/2011/main" val="1"/>
             </a:ext>
           </a:extLst>
         </p:spPr>
@@ -25779,7 +25504,7 @@
           </a:ln>
           <a:extLst>
             <a:ext uri="{C572A759-6A51-4108-AA02-DFA0A04FC94B}">
-              <ma14:wrappingTextBoxFlag xmlns:ma14="http://schemas.microsoft.com/office/mac/drawingml/2011/main" xmlns:a14="http://schemas.microsoft.com/office/drawing/2010/main" xmlns:m="http://schemas.openxmlformats.org/officeDocument/2006/math" xmlns="" val="1"/>
+              <ma14:wrappingTextBoxFlag xmlns="" xmlns:m="http://schemas.openxmlformats.org/officeDocument/2006/math" xmlns:a14="http://schemas.microsoft.com/office/drawing/2010/main" xmlns:ma14="http://schemas.microsoft.com/office/mac/drawingml/2011/main" val="1"/>
             </a:ext>
           </a:extLst>
         </p:spPr>
@@ -25858,7 +25583,7 @@
             </a:ln>
             <a:extLst>
               <a:ext uri="{C572A759-6A51-4108-AA02-DFA0A04FC94B}">
-                <ma14:wrappingTextBoxFlag xmlns:ma14="http://schemas.microsoft.com/office/mac/drawingml/2011/main" xmlns:a14="http://schemas.microsoft.com/office/drawing/2010/main" xmlns:m="http://schemas.openxmlformats.org/officeDocument/2006/math" xmlns="" val="1"/>
+                <ma14:wrappingTextBoxFlag xmlns="" xmlns:m="http://schemas.openxmlformats.org/officeDocument/2006/math" xmlns:a14="http://schemas.microsoft.com/office/drawing/2010/main" xmlns:ma14="http://schemas.microsoft.com/office/mac/drawingml/2011/main" val="1"/>
               </a:ext>
             </a:extLst>
           </p:spPr>
@@ -26419,7 +26144,7 @@
           </a:ln>
           <a:extLst>
             <a:ext uri="{C572A759-6A51-4108-AA02-DFA0A04FC94B}">
-              <ma14:wrappingTextBoxFlag xmlns:ma14="http://schemas.microsoft.com/office/mac/drawingml/2011/main" xmlns:a14="http://schemas.microsoft.com/office/drawing/2010/main" xmlns:m="http://schemas.openxmlformats.org/officeDocument/2006/math" xmlns="" val="1"/>
+              <ma14:wrappingTextBoxFlag xmlns="" xmlns:m="http://schemas.openxmlformats.org/officeDocument/2006/math" xmlns:a14="http://schemas.microsoft.com/office/drawing/2010/main" xmlns:ma14="http://schemas.microsoft.com/office/mac/drawingml/2011/main" val="1"/>
             </a:ext>
           </a:extLst>
         </p:spPr>
@@ -26546,7 +26271,7 @@
           </a:ln>
           <a:extLst>
             <a:ext uri="{C572A759-6A51-4108-AA02-DFA0A04FC94B}">
-              <ma14:wrappingTextBoxFlag xmlns:ma14="http://schemas.microsoft.com/office/mac/drawingml/2011/main" xmlns:a14="http://schemas.microsoft.com/office/drawing/2010/main" xmlns:m="http://schemas.openxmlformats.org/officeDocument/2006/math" xmlns="" val="1"/>
+              <ma14:wrappingTextBoxFlag xmlns="" xmlns:m="http://schemas.openxmlformats.org/officeDocument/2006/math" xmlns:a14="http://schemas.microsoft.com/office/drawing/2010/main" xmlns:ma14="http://schemas.microsoft.com/office/mac/drawingml/2011/main" val="1"/>
             </a:ext>
           </a:extLst>
         </p:spPr>
@@ -26650,7 +26375,7 @@
             </a:ln>
             <a:extLst>
               <a:ext uri="{C572A759-6A51-4108-AA02-DFA0A04FC94B}">
-                <ma14:wrappingTextBoxFlag xmlns:ma14="http://schemas.microsoft.com/office/mac/drawingml/2011/main" xmlns:a14="http://schemas.microsoft.com/office/drawing/2010/main" xmlns:m="http://schemas.openxmlformats.org/officeDocument/2006/math" xmlns="" val="1"/>
+                <ma14:wrappingTextBoxFlag xmlns="" xmlns:m="http://schemas.openxmlformats.org/officeDocument/2006/math" xmlns:a14="http://schemas.microsoft.com/office/drawing/2010/main" xmlns:ma14="http://schemas.microsoft.com/office/mac/drawingml/2011/main" val="1"/>
               </a:ext>
             </a:extLst>
           </p:spPr>
@@ -27280,7 +27005,7 @@
           </a:ln>
           <a:extLst>
             <a:ext uri="{C572A759-6A51-4108-AA02-DFA0A04FC94B}">
-              <ma14:wrappingTextBoxFlag xmlns:ma14="http://schemas.microsoft.com/office/mac/drawingml/2011/main" xmlns:a14="http://schemas.microsoft.com/office/drawing/2010/main" xmlns:m="http://schemas.openxmlformats.org/officeDocument/2006/math" xmlns="" val="1"/>
+              <ma14:wrappingTextBoxFlag xmlns="" xmlns:m="http://schemas.openxmlformats.org/officeDocument/2006/math" xmlns:a14="http://schemas.microsoft.com/office/drawing/2010/main" xmlns:ma14="http://schemas.microsoft.com/office/mac/drawingml/2011/main" val="1"/>
             </a:ext>
           </a:extLst>
         </p:spPr>
@@ -27384,7 +27109,7 @@
             </a:ln>
             <a:extLst>
               <a:ext uri="{C572A759-6A51-4108-AA02-DFA0A04FC94B}">
-                <ma14:wrappingTextBoxFlag xmlns:ma14="http://schemas.microsoft.com/office/mac/drawingml/2011/main" xmlns:a14="http://schemas.microsoft.com/office/drawing/2010/main" xmlns:m="http://schemas.openxmlformats.org/officeDocument/2006/math" xmlns="" val="1"/>
+                <ma14:wrappingTextBoxFlag xmlns="" xmlns:m="http://schemas.openxmlformats.org/officeDocument/2006/math" xmlns:a14="http://schemas.microsoft.com/office/drawing/2010/main" xmlns:ma14="http://schemas.microsoft.com/office/mac/drawingml/2011/main" val="1"/>
               </a:ext>
             </a:extLst>
           </p:spPr>
@@ -27622,18 +27347,7 @@
                   </a:solidFill>
                   <a:latin typeface="Consolas" panose="020B0609020204030204" pitchFamily="49" charset="0"/>
                 </a:rPr>
-                <a:t> </a:t>
-              </a:r>
-              <a:r>
-                <a:rPr lang="en-US" sz="2500" b="0" dirty="0" smtClean="0">
-                  <a:solidFill>
-                    <a:schemeClr val="bg1">
-                      <a:lumMod val="65000"/>
-                    </a:schemeClr>
-                  </a:solidFill>
-                  <a:latin typeface="Consolas" panose="020B0609020204030204" pitchFamily="49" charset="0"/>
-                </a:rPr>
-                <a:t>(</a:t>
+                <a:t> (</a:t>
               </a:r>
               <a:r>
                 <a:rPr lang="en-US" sz="2500" b="0" dirty="0">
@@ -28441,7 +28155,7 @@
           </a:ln>
           <a:extLst>
             <a:ext uri="{C572A759-6A51-4108-AA02-DFA0A04FC94B}">
-              <ma14:wrappingTextBoxFlag xmlns:ma14="http://schemas.microsoft.com/office/mac/drawingml/2011/main" xmlns:a14="http://schemas.microsoft.com/office/drawing/2010/main" xmlns:m="http://schemas.openxmlformats.org/officeDocument/2006/math" xmlns="" val="1"/>
+              <ma14:wrappingTextBoxFlag xmlns="" xmlns:m="http://schemas.openxmlformats.org/officeDocument/2006/math" xmlns:a14="http://schemas.microsoft.com/office/drawing/2010/main" xmlns:ma14="http://schemas.microsoft.com/office/mac/drawingml/2011/main" val="1"/>
             </a:ext>
           </a:extLst>
         </p:spPr>
@@ -28546,7 +28260,7 @@
             </a:ln>
             <a:extLst>
               <a:ext uri="{C572A759-6A51-4108-AA02-DFA0A04FC94B}">
-                <ma14:wrappingTextBoxFlag xmlns:ma14="http://schemas.microsoft.com/office/mac/drawingml/2011/main" xmlns:a14="http://schemas.microsoft.com/office/drawing/2010/main" xmlns:m="http://schemas.openxmlformats.org/officeDocument/2006/math" xmlns="" val="1"/>
+                <ma14:wrappingTextBoxFlag xmlns="" xmlns:m="http://schemas.openxmlformats.org/officeDocument/2006/math" xmlns:a14="http://schemas.microsoft.com/office/drawing/2010/main" xmlns:ma14="http://schemas.microsoft.com/office/mac/drawingml/2011/main" val="1"/>
               </a:ext>
             </a:extLst>
           </p:spPr>
@@ -29872,7 +29586,7 @@
           </a:ln>
           <a:extLst>
             <a:ext uri="{C572A759-6A51-4108-AA02-DFA0A04FC94B}">
-              <ma14:wrappingTextBoxFlag xmlns:ma14="http://schemas.microsoft.com/office/mac/drawingml/2011/main" xmlns:a14="http://schemas.microsoft.com/office/drawing/2010/main" xmlns:m="http://schemas.openxmlformats.org/officeDocument/2006/math" xmlns="" val="1"/>
+              <ma14:wrappingTextBoxFlag xmlns="" xmlns:m="http://schemas.openxmlformats.org/officeDocument/2006/math" xmlns:a14="http://schemas.microsoft.com/office/drawing/2010/main" xmlns:ma14="http://schemas.microsoft.com/office/mac/drawingml/2011/main" val="1"/>
             </a:ext>
           </a:extLst>
         </p:spPr>
@@ -29988,7 +29702,7 @@
           </a:ln>
           <a:extLst>
             <a:ext uri="{C572A759-6A51-4108-AA02-DFA0A04FC94B}">
-              <ma14:wrappingTextBoxFlag xmlns:ma14="http://schemas.microsoft.com/office/mac/drawingml/2011/main" xmlns:a14="http://schemas.microsoft.com/office/drawing/2010/main" xmlns:m="http://schemas.openxmlformats.org/officeDocument/2006/math" xmlns="" val="1"/>
+              <ma14:wrappingTextBoxFlag xmlns="" xmlns:m="http://schemas.openxmlformats.org/officeDocument/2006/math" xmlns:a14="http://schemas.microsoft.com/office/drawing/2010/main" xmlns:ma14="http://schemas.microsoft.com/office/mac/drawingml/2011/main" val="1"/>
             </a:ext>
           </a:extLst>
         </p:spPr>
@@ -30219,7 +29933,7 @@
           </a:ln>
           <a:extLst>
             <a:ext uri="{C572A759-6A51-4108-AA02-DFA0A04FC94B}">
-              <ma14:wrappingTextBoxFlag xmlns:ma14="http://schemas.microsoft.com/office/mac/drawingml/2011/main" xmlns:a14="http://schemas.microsoft.com/office/drawing/2010/main" xmlns:m="http://schemas.openxmlformats.org/officeDocument/2006/math" xmlns="" val="1"/>
+              <ma14:wrappingTextBoxFlag xmlns="" xmlns:m="http://schemas.openxmlformats.org/officeDocument/2006/math" xmlns:a14="http://schemas.microsoft.com/office/drawing/2010/main" xmlns:ma14="http://schemas.microsoft.com/office/mac/drawingml/2011/main" val="1"/>
             </a:ext>
           </a:extLst>
         </p:spPr>
@@ -30293,7 +30007,7 @@
         </p:nvSpPr>
         <p:spPr>
           <a:xfrm>
-            <a:off x="1816128" y="5668910"/>
+            <a:off x="1816128" y="5053357"/>
             <a:ext cx="17868083" cy="979755"/>
           </a:xfrm>
           <a:prstGeom prst="rect">
@@ -30309,7 +30023,7 @@
           </a:ln>
           <a:extLst>
             <a:ext uri="{C572A759-6A51-4108-AA02-DFA0A04FC94B}">
-              <ma14:wrappingTextBoxFlag xmlns:ma14="http://schemas.microsoft.com/office/mac/drawingml/2011/main" xmlns:a14="http://schemas.microsoft.com/office/drawing/2010/main" xmlns:m="http://schemas.openxmlformats.org/officeDocument/2006/math" xmlns="" val="1"/>
+              <ma14:wrappingTextBoxFlag xmlns="" xmlns:m="http://schemas.openxmlformats.org/officeDocument/2006/math" xmlns:a14="http://schemas.microsoft.com/office/drawing/2010/main" xmlns:ma14="http://schemas.microsoft.com/office/mac/drawingml/2011/main" val="1"/>
             </a:ext>
           </a:extLst>
         </p:spPr>
@@ -30513,7 +30227,7 @@
         <p:spPr>
           <a:xfrm>
             <a:off x="2036676" y="3378224"/>
-            <a:ext cx="17366287" cy="1938992"/>
+            <a:ext cx="17366287" cy="1323439"/>
           </a:xfrm>
           <a:prstGeom prst="rect">
             <a:avLst/>
@@ -30523,7 +30237,7 @@
           </a:ln>
           <a:extLst>
             <a:ext uri="{C572A759-6A51-4108-AA02-DFA0A04FC94B}">
-              <ma14:wrappingTextBoxFlag xmlns:ma14="http://schemas.microsoft.com/office/mac/drawingml/2011/main" xmlns:a14="http://schemas.microsoft.com/office/drawing/2010/main" xmlns:m="http://schemas.openxmlformats.org/officeDocument/2006/math" xmlns="" val="1"/>
+              <ma14:wrappingTextBoxFlag xmlns="" xmlns:m="http://schemas.openxmlformats.org/officeDocument/2006/math" xmlns:a14="http://schemas.microsoft.com/office/drawing/2010/main" xmlns:ma14="http://schemas.microsoft.com/office/mac/drawingml/2011/main" val="1"/>
             </a:ext>
           </a:extLst>
         </p:spPr>
@@ -30555,7 +30269,19 @@
               <a:rPr lang="ru-RU" sz="4000" dirty="0">
                 <a:sym typeface="Helvetica"/>
               </a:rPr>
-              <a:t>До ES6 статические методы (методы, которым для функционирования не нужен объект), эмулировались просто через добавление свойства в функцию-конструктор:</a:t>
+              <a:t>До ES6 статическими методами назывались методы, добавленные &lt;</a:t>
+            </a:r>
+            <a:r>
+              <a:rPr lang="ru-RU" sz="4000" dirty="0" err="1">
+                <a:sym typeface="Helvetica"/>
+              </a:rPr>
+              <a:t>br</a:t>
+            </a:r>
+            <a:r>
+              <a:rPr lang="ru-RU" sz="4000" dirty="0">
+                <a:sym typeface="Helvetica"/>
+              </a:rPr>
+              <a:t>&gt; в функцию-конструктор:</a:t>
             </a:r>
             <a:endParaRPr lang="ru-RU" sz="4000" dirty="0">
               <a:latin typeface="+mj-lt"/>
@@ -30572,7 +30298,7 @@
         </p:nvSpPr>
         <p:spPr>
           <a:xfrm>
-            <a:off x="2067025" y="6973172"/>
+            <a:off x="2067025" y="6384806"/>
             <a:ext cx="17366287" cy="707886"/>
           </a:xfrm>
           <a:prstGeom prst="rect">
@@ -30583,7 +30309,7 @@
           </a:ln>
           <a:extLst>
             <a:ext uri="{C572A759-6A51-4108-AA02-DFA0A04FC94B}">
-              <ma14:wrappingTextBoxFlag xmlns:ma14="http://schemas.microsoft.com/office/mac/drawingml/2011/main" xmlns:a14="http://schemas.microsoft.com/office/drawing/2010/main" xmlns:m="http://schemas.openxmlformats.org/officeDocument/2006/math" xmlns="" val="1"/>
+              <ma14:wrappingTextBoxFlag xmlns="" xmlns:m="http://schemas.openxmlformats.org/officeDocument/2006/math" xmlns:a14="http://schemas.microsoft.com/office/drawing/2010/main" xmlns:ma14="http://schemas.microsoft.com/office/mac/drawingml/2011/main" val="1"/>
             </a:ext>
           </a:extLst>
         </p:spPr>
@@ -30638,7 +30364,7 @@
         </p:nvGrpSpPr>
         <p:grpSpPr>
           <a:xfrm>
-            <a:off x="1107504" y="8032752"/>
+            <a:off x="1107504" y="7444386"/>
             <a:ext cx="18576707" cy="2295500"/>
             <a:chOff x="1166453" y="6638467"/>
             <a:chExt cx="18576707" cy="2295500"/>
@@ -30668,7 +30394,7 @@
             </a:ln>
             <a:extLst>
               <a:ext uri="{C572A759-6A51-4108-AA02-DFA0A04FC94B}">
-                <ma14:wrappingTextBoxFlag xmlns:ma14="http://schemas.microsoft.com/office/mac/drawingml/2011/main" xmlns:a14="http://schemas.microsoft.com/office/drawing/2010/main" xmlns:m="http://schemas.openxmlformats.org/officeDocument/2006/math" xmlns="" val="1"/>
+                <ma14:wrappingTextBoxFlag xmlns="" xmlns:m="http://schemas.openxmlformats.org/officeDocument/2006/math" xmlns:a14="http://schemas.microsoft.com/office/drawing/2010/main" xmlns:ma14="http://schemas.microsoft.com/office/mac/drawingml/2011/main" val="1"/>
               </a:ext>
             </a:extLst>
           </p:spPr>
@@ -31231,7 +30957,7 @@
           </a:ln>
           <a:extLst>
             <a:ext uri="{C572A759-6A51-4108-AA02-DFA0A04FC94B}">
-              <ma14:wrappingTextBoxFlag xmlns:ma14="http://schemas.microsoft.com/office/mac/drawingml/2011/main" xmlns:a14="http://schemas.microsoft.com/office/drawing/2010/main" xmlns:m="http://schemas.openxmlformats.org/officeDocument/2006/math" xmlns="" val="1"/>
+              <ma14:wrappingTextBoxFlag xmlns="" xmlns:m="http://schemas.openxmlformats.org/officeDocument/2006/math" xmlns:a14="http://schemas.microsoft.com/office/drawing/2010/main" xmlns:ma14="http://schemas.microsoft.com/office/mac/drawingml/2011/main" val="1"/>
             </a:ext>
           </a:extLst>
         </p:spPr>
@@ -31311,7 +31037,7 @@
           </a:ln>
           <a:extLst>
             <a:ext uri="{C572A759-6A51-4108-AA02-DFA0A04FC94B}">
-              <ma14:wrappingTextBoxFlag xmlns:ma14="http://schemas.microsoft.com/office/mac/drawingml/2011/main" xmlns:a14="http://schemas.microsoft.com/office/drawing/2010/main" xmlns:m="http://schemas.openxmlformats.org/officeDocument/2006/math" xmlns="" val="1"/>
+              <ma14:wrappingTextBoxFlag xmlns="" xmlns:m="http://schemas.openxmlformats.org/officeDocument/2006/math" xmlns:a14="http://schemas.microsoft.com/office/drawing/2010/main" xmlns:ma14="http://schemas.microsoft.com/office/mac/drawingml/2011/main" val="1"/>
             </a:ext>
           </a:extLst>
         </p:spPr>
@@ -31540,7 +31266,7 @@
           </a:ln>
           <a:extLst>
             <a:ext uri="{C572A759-6A51-4108-AA02-DFA0A04FC94B}">
-              <ma14:wrappingTextBoxFlag xmlns:ma14="http://schemas.microsoft.com/office/mac/drawingml/2011/main" xmlns:a14="http://schemas.microsoft.com/office/drawing/2010/main" xmlns:m="http://schemas.openxmlformats.org/officeDocument/2006/math" xmlns="" val="1"/>
+              <ma14:wrappingTextBoxFlag xmlns="" xmlns:m="http://schemas.openxmlformats.org/officeDocument/2006/math" xmlns:a14="http://schemas.microsoft.com/office/drawing/2010/main" xmlns:ma14="http://schemas.microsoft.com/office/mac/drawingml/2011/main" val="1"/>
             </a:ext>
           </a:extLst>
         </p:spPr>
@@ -31621,7 +31347,7 @@
           </a:ln>
           <a:extLst>
             <a:ext uri="{C572A759-6A51-4108-AA02-DFA0A04FC94B}">
-              <ma14:wrappingTextBoxFlag xmlns:ma14="http://schemas.microsoft.com/office/mac/drawingml/2011/main" xmlns:a14="http://schemas.microsoft.com/office/drawing/2010/main" xmlns:m="http://schemas.openxmlformats.org/officeDocument/2006/math" xmlns="" val="1"/>
+              <ma14:wrappingTextBoxFlag xmlns="" xmlns:m="http://schemas.openxmlformats.org/officeDocument/2006/math" xmlns:a14="http://schemas.microsoft.com/office/drawing/2010/main" xmlns:ma14="http://schemas.microsoft.com/office/mac/drawingml/2011/main" val="1"/>
             </a:ext>
           </a:extLst>
         </p:spPr>
@@ -31731,7 +31457,7 @@
           </a:ln>
           <a:extLst>
             <a:ext uri="{C572A759-6A51-4108-AA02-DFA0A04FC94B}">
-              <ma14:wrappingTextBoxFlag xmlns:ma14="http://schemas.microsoft.com/office/mac/drawingml/2011/main" xmlns:a14="http://schemas.microsoft.com/office/drawing/2010/main" xmlns:m="http://schemas.openxmlformats.org/officeDocument/2006/math" xmlns="" val="1"/>
+              <ma14:wrappingTextBoxFlag xmlns="" xmlns:m="http://schemas.openxmlformats.org/officeDocument/2006/math" xmlns:a14="http://schemas.microsoft.com/office/drawing/2010/main" xmlns:ma14="http://schemas.microsoft.com/office/mac/drawingml/2011/main" val="1"/>
             </a:ext>
           </a:extLst>
         </p:spPr>
@@ -31820,7 +31546,7 @@
           </a:ln>
           <a:extLst>
             <a:ext uri="{C572A759-6A51-4108-AA02-DFA0A04FC94B}">
-              <ma14:wrappingTextBoxFlag xmlns:ma14="http://schemas.microsoft.com/office/mac/drawingml/2011/main" xmlns:a14="http://schemas.microsoft.com/office/drawing/2010/main" xmlns:m="http://schemas.openxmlformats.org/officeDocument/2006/math" xmlns="" val="1"/>
+              <ma14:wrappingTextBoxFlag xmlns="" xmlns:m="http://schemas.openxmlformats.org/officeDocument/2006/math" xmlns:a14="http://schemas.microsoft.com/office/drawing/2010/main" xmlns:ma14="http://schemas.microsoft.com/office/mac/drawingml/2011/main" val="1"/>
             </a:ext>
           </a:extLst>
         </p:spPr>
@@ -31914,7 +31640,7 @@
             </a:ln>
             <a:extLst>
               <a:ext uri="{C572A759-6A51-4108-AA02-DFA0A04FC94B}">
-                <ma14:wrappingTextBoxFlag xmlns:ma14="http://schemas.microsoft.com/office/mac/drawingml/2011/main" xmlns:a14="http://schemas.microsoft.com/office/drawing/2010/main" xmlns:m="http://schemas.openxmlformats.org/officeDocument/2006/math" xmlns="" val="1"/>
+                <ma14:wrappingTextBoxFlag xmlns="" xmlns:m="http://schemas.openxmlformats.org/officeDocument/2006/math" xmlns:a14="http://schemas.microsoft.com/office/drawing/2010/main" xmlns:ma14="http://schemas.microsoft.com/office/mac/drawingml/2011/main" val="1"/>
               </a:ext>
             </a:extLst>
           </p:spPr>
@@ -32158,7 +31884,7 @@
           </a:ln>
           <a:extLst>
             <a:ext uri="{C572A759-6A51-4108-AA02-DFA0A04FC94B}">
-              <ma14:wrappingTextBoxFlag xmlns:ma14="http://schemas.microsoft.com/office/mac/drawingml/2011/main" xmlns:a14="http://schemas.microsoft.com/office/drawing/2010/main" xmlns:m="http://schemas.openxmlformats.org/officeDocument/2006/math" xmlns="" val="1"/>
+              <ma14:wrappingTextBoxFlag xmlns="" xmlns:m="http://schemas.openxmlformats.org/officeDocument/2006/math" xmlns:a14="http://schemas.microsoft.com/office/drawing/2010/main" xmlns:ma14="http://schemas.microsoft.com/office/mac/drawingml/2011/main" val="1"/>
             </a:ext>
           </a:extLst>
         </p:spPr>
@@ -32238,7 +31964,7 @@
           </a:ln>
           <a:extLst>
             <a:ext uri="{C572A759-6A51-4108-AA02-DFA0A04FC94B}">
-              <ma14:wrappingTextBoxFlag xmlns:ma14="http://schemas.microsoft.com/office/mac/drawingml/2011/main" xmlns:a14="http://schemas.microsoft.com/office/drawing/2010/main" xmlns:m="http://schemas.openxmlformats.org/officeDocument/2006/math" xmlns="" val="1"/>
+              <ma14:wrappingTextBoxFlag xmlns="" xmlns:m="http://schemas.openxmlformats.org/officeDocument/2006/math" xmlns:a14="http://schemas.microsoft.com/office/drawing/2010/main" xmlns:ma14="http://schemas.microsoft.com/office/mac/drawingml/2011/main" val="1"/>
             </a:ext>
           </a:extLst>
         </p:spPr>
@@ -32418,7 +32144,7 @@
           </a:ln>
           <a:extLst>
             <a:ext uri="{C572A759-6A51-4108-AA02-DFA0A04FC94B}">
-              <ma14:wrappingTextBoxFlag xmlns:ma14="http://schemas.microsoft.com/office/mac/drawingml/2011/main" xmlns:a14="http://schemas.microsoft.com/office/drawing/2010/main" xmlns:m="http://schemas.openxmlformats.org/officeDocument/2006/math" xmlns="" val="1"/>
+              <ma14:wrappingTextBoxFlag xmlns="" xmlns:m="http://schemas.openxmlformats.org/officeDocument/2006/math" xmlns:a14="http://schemas.microsoft.com/office/drawing/2010/main" xmlns:ma14="http://schemas.microsoft.com/office/mac/drawingml/2011/main" val="1"/>
             </a:ext>
           </a:extLst>
         </p:spPr>
@@ -32516,7 +32242,7 @@
           </a:ln>
           <a:extLst>
             <a:ext uri="{C572A759-6A51-4108-AA02-DFA0A04FC94B}">
-              <ma14:wrappingTextBoxFlag xmlns:ma14="http://schemas.microsoft.com/office/mac/drawingml/2011/main" xmlns:a14="http://schemas.microsoft.com/office/drawing/2010/main" xmlns:m="http://schemas.openxmlformats.org/officeDocument/2006/math" xmlns="" val="1"/>
+              <ma14:wrappingTextBoxFlag xmlns="" xmlns:m="http://schemas.openxmlformats.org/officeDocument/2006/math" xmlns:a14="http://schemas.microsoft.com/office/drawing/2010/main" xmlns:ma14="http://schemas.microsoft.com/office/mac/drawingml/2011/main" val="1"/>
             </a:ext>
           </a:extLst>
         </p:spPr>
@@ -32669,7 +32395,7 @@
           </a:ln>
           <a:extLst>
             <a:ext uri="{C572A759-6A51-4108-AA02-DFA0A04FC94B}">
-              <ma14:wrappingTextBoxFlag xmlns:ma14="http://schemas.microsoft.com/office/mac/drawingml/2011/main" xmlns:a14="http://schemas.microsoft.com/office/drawing/2010/main" xmlns:m="http://schemas.openxmlformats.org/officeDocument/2006/math" xmlns="" val="1"/>
+              <ma14:wrappingTextBoxFlag xmlns="" xmlns:m="http://schemas.openxmlformats.org/officeDocument/2006/math" xmlns:a14="http://schemas.microsoft.com/office/drawing/2010/main" xmlns:ma14="http://schemas.microsoft.com/office/mac/drawingml/2011/main" val="1"/>
             </a:ext>
           </a:extLst>
         </p:spPr>
@@ -32719,7 +32445,7 @@
           </a:ln>
           <a:extLst>
             <a:ext uri="{C572A759-6A51-4108-AA02-DFA0A04FC94B}">
-              <ma14:wrappingTextBoxFlag xmlns:ma14="http://schemas.microsoft.com/office/mac/drawingml/2011/main" xmlns:a14="http://schemas.microsoft.com/office/drawing/2010/main" xmlns:m="http://schemas.openxmlformats.org/officeDocument/2006/math" xmlns="" val="1"/>
+              <ma14:wrappingTextBoxFlag xmlns="" xmlns:m="http://schemas.openxmlformats.org/officeDocument/2006/math" xmlns:a14="http://schemas.microsoft.com/office/drawing/2010/main" xmlns:ma14="http://schemas.microsoft.com/office/mac/drawingml/2011/main" val="1"/>
             </a:ext>
           </a:extLst>
         </p:spPr>
@@ -32771,7 +32497,7 @@
           </a:ln>
           <a:extLst>
             <a:ext uri="{C572A759-6A51-4108-AA02-DFA0A04FC94B}">
-              <ma14:wrappingTextBoxFlag xmlns:ma14="http://schemas.microsoft.com/office/mac/drawingml/2011/main" xmlns:a14="http://schemas.microsoft.com/office/drawing/2010/main" xmlns:m="http://schemas.openxmlformats.org/officeDocument/2006/math" xmlns="" val="1"/>
+              <ma14:wrappingTextBoxFlag xmlns="" xmlns:m="http://schemas.openxmlformats.org/officeDocument/2006/math" xmlns:a14="http://schemas.microsoft.com/office/drawing/2010/main" xmlns:ma14="http://schemas.microsoft.com/office/mac/drawingml/2011/main" val="1"/>
             </a:ext>
           </a:extLst>
         </p:spPr>
@@ -32918,7 +32644,7 @@
           </a:ln>
           <a:extLst>
             <a:ext uri="{C572A759-6A51-4108-AA02-DFA0A04FC94B}">
-              <ma14:wrappingTextBoxFlag xmlns:ma14="http://schemas.microsoft.com/office/mac/drawingml/2011/main" xmlns:a14="http://schemas.microsoft.com/office/drawing/2010/main" xmlns:m="http://schemas.openxmlformats.org/officeDocument/2006/math" xmlns="" val="1"/>
+              <ma14:wrappingTextBoxFlag xmlns="" xmlns:m="http://schemas.openxmlformats.org/officeDocument/2006/math" xmlns:a14="http://schemas.microsoft.com/office/drawing/2010/main" xmlns:ma14="http://schemas.microsoft.com/office/mac/drawingml/2011/main" val="1"/>
             </a:ext>
           </a:extLst>
         </p:spPr>
@@ -33111,7 +32837,7 @@
           </a:ln>
           <a:extLst>
             <a:ext uri="{C572A759-6A51-4108-AA02-DFA0A04FC94B}">
-              <ma14:wrappingTextBoxFlag xmlns:ma14="http://schemas.microsoft.com/office/mac/drawingml/2011/main" xmlns:a14="http://schemas.microsoft.com/office/drawing/2010/main" xmlns:m="http://schemas.openxmlformats.org/officeDocument/2006/math" xmlns="" val="1"/>
+              <ma14:wrappingTextBoxFlag xmlns="" xmlns:m="http://schemas.openxmlformats.org/officeDocument/2006/math" xmlns:a14="http://schemas.microsoft.com/office/drawing/2010/main" xmlns:ma14="http://schemas.microsoft.com/office/mac/drawingml/2011/main" val="1"/>
             </a:ext>
           </a:extLst>
         </p:spPr>
@@ -33196,7 +32922,7 @@
           </a:ln>
           <a:extLst>
             <a:ext uri="{C572A759-6A51-4108-AA02-DFA0A04FC94B}">
-              <ma14:wrappingTextBoxFlag xmlns:ma14="http://schemas.microsoft.com/office/mac/drawingml/2011/main" xmlns:a14="http://schemas.microsoft.com/office/drawing/2010/main" xmlns:m="http://schemas.openxmlformats.org/officeDocument/2006/math" xmlns="" val="1"/>
+              <ma14:wrappingTextBoxFlag xmlns="" xmlns:m="http://schemas.openxmlformats.org/officeDocument/2006/math" xmlns:a14="http://schemas.microsoft.com/office/drawing/2010/main" xmlns:ma14="http://schemas.microsoft.com/office/mac/drawingml/2011/main" val="1"/>
             </a:ext>
           </a:extLst>
         </p:spPr>
@@ -33253,7 +32979,7 @@
           </a:ln>
           <a:extLst>
             <a:ext uri="{C572A759-6A51-4108-AA02-DFA0A04FC94B}">
-              <ma14:wrappingTextBoxFlag xmlns:ma14="http://schemas.microsoft.com/office/mac/drawingml/2011/main" xmlns:a14="http://schemas.microsoft.com/office/drawing/2010/main" xmlns:m="http://schemas.openxmlformats.org/officeDocument/2006/math" xmlns="" val="1"/>
+              <ma14:wrappingTextBoxFlag xmlns="" xmlns:m="http://schemas.openxmlformats.org/officeDocument/2006/math" xmlns:a14="http://schemas.microsoft.com/office/drawing/2010/main" xmlns:ma14="http://schemas.microsoft.com/office/mac/drawingml/2011/main" val="1"/>
             </a:ext>
           </a:extLst>
         </p:spPr>
@@ -33386,7 +33112,7 @@
           </a:ln>
           <a:extLst>
             <a:ext uri="{C572A759-6A51-4108-AA02-DFA0A04FC94B}">
-              <ma14:wrappingTextBoxFlag xmlns:ma14="http://schemas.microsoft.com/office/mac/drawingml/2011/main" xmlns:a14="http://schemas.microsoft.com/office/drawing/2010/main" xmlns:m="http://schemas.openxmlformats.org/officeDocument/2006/math" xmlns="" val="1"/>
+              <ma14:wrappingTextBoxFlag xmlns="" xmlns:m="http://schemas.openxmlformats.org/officeDocument/2006/math" xmlns:a14="http://schemas.microsoft.com/office/drawing/2010/main" xmlns:ma14="http://schemas.microsoft.com/office/mac/drawingml/2011/main" val="1"/>
             </a:ext>
           </a:extLst>
         </p:spPr>
@@ -33526,7 +33252,7 @@
           </a:ln>
           <a:extLst>
             <a:ext uri="{C572A759-6A51-4108-AA02-DFA0A04FC94B}">
-              <ma14:wrappingTextBoxFlag xmlns:ma14="http://schemas.microsoft.com/office/mac/drawingml/2011/main" xmlns:a14="http://schemas.microsoft.com/office/drawing/2010/main" xmlns:m="http://schemas.openxmlformats.org/officeDocument/2006/math" xmlns="" val="1"/>
+              <ma14:wrappingTextBoxFlag xmlns="" xmlns:m="http://schemas.openxmlformats.org/officeDocument/2006/math" xmlns:a14="http://schemas.microsoft.com/office/drawing/2010/main" xmlns:ma14="http://schemas.microsoft.com/office/mac/drawingml/2011/main" val="1"/>
             </a:ext>
           </a:extLst>
         </p:spPr>
@@ -33644,7 +33370,7 @@
         <p:spPr>
           <a:xfrm>
             <a:off x="2036676" y="3378224"/>
-            <a:ext cx="17366287" cy="3170099"/>
+            <a:ext cx="17366287" cy="4555093"/>
           </a:xfrm>
           <a:prstGeom prst="rect">
             <a:avLst/>
@@ -33654,7 +33380,7 @@
           </a:ln>
           <a:extLst>
             <a:ext uri="{C572A759-6A51-4108-AA02-DFA0A04FC94B}">
-              <ma14:wrappingTextBoxFlag xmlns:ma14="http://schemas.microsoft.com/office/mac/drawingml/2011/main" xmlns:a14="http://schemas.microsoft.com/office/drawing/2010/main" xmlns:m="http://schemas.openxmlformats.org/officeDocument/2006/math" xmlns="" val="1"/>
+              <ma14:wrappingTextBoxFlag xmlns="" xmlns:m="http://schemas.openxmlformats.org/officeDocument/2006/math" xmlns:a14="http://schemas.microsoft.com/office/drawing/2010/main" xmlns:ma14="http://schemas.microsoft.com/office/mac/drawingml/2011/main" val="1"/>
             </a:ext>
           </a:extLst>
         </p:spPr>
@@ -33684,25 +33410,103 @@
             </a:pPr>
             <a:r>
               <a:rPr lang="ru-RU" sz="4000" dirty="0">
+                <a:sym typeface="Helvetica"/>
+              </a:rPr>
+              <a:t>Перед нами встала задача организовать веб-мессенджер.</a:t>
+            </a:r>
+            <a:r>
+              <a:rPr lang="ru-RU" sz="4000" dirty="0" smtClean="0">
                 <a:latin typeface="+mj-lt"/>
                 <a:sym typeface="Helvetica"/>
               </a:rPr>
-              <a:t>Перед нами встала задача организовать веб-мессенджер. В базовой версии он должен позволять обмениваться сообщениями только пользователям, зарегистрированным в нашей системе. А затем мы хотим подготовить специализированные версии, которые позволят общаться с пользователями других мессенджеров, например, </a:t>
+              <a:t> </a:t>
+            </a:r>
+          </a:p>
+          <a:p>
+            <a:pPr algn="l">
+              <a:spcBef>
+                <a:spcPts val="3000"/>
+              </a:spcBef>
+              <a:buClr>
+                <a:srgbClr val="A64798"/>
+              </a:buClr>
+              <a:buSzPct val="100000"/>
+              <a:defRPr sz="4000">
+                <a:solidFill>
+                  <a:srgbClr val="3F3F3F"/>
+                </a:solidFill>
+                <a:latin typeface="+mj-lt"/>
+                <a:ea typeface="+mj-ea"/>
+                <a:cs typeface="+mj-cs"/>
+                <a:sym typeface="Helvetica"/>
+              </a:defRPr>
+            </a:pPr>
+            <a:r>
+              <a:rPr lang="ru-RU" sz="4000" dirty="0">
+                <a:sym typeface="Helvetica"/>
+              </a:rPr>
+              <a:t>В базовой версии он должен позволять обмениваться сообщениями только пользователям, зарегистрированным в нашей системе</a:t>
+            </a:r>
+            <a:r>
+              <a:rPr lang="ru-RU" sz="4000" dirty="0" smtClean="0">
+                <a:sym typeface="Helvetica"/>
+              </a:rPr>
+              <a:t>.</a:t>
+            </a:r>
+          </a:p>
+          <a:p>
+            <a:pPr algn="l">
+              <a:spcBef>
+                <a:spcPts val="3000"/>
+              </a:spcBef>
+              <a:buClr>
+                <a:srgbClr val="A64798"/>
+              </a:buClr>
+              <a:buSzPct val="100000"/>
+              <a:defRPr sz="4000">
+                <a:solidFill>
+                  <a:srgbClr val="3F3F3F"/>
+                </a:solidFill>
+                <a:latin typeface="+mj-lt"/>
+                <a:ea typeface="+mj-ea"/>
+                <a:cs typeface="+mj-cs"/>
+                <a:sym typeface="Helvetica"/>
+              </a:defRPr>
+            </a:pPr>
+            <a:r>
+              <a:rPr lang="ru-RU" sz="4000" dirty="0">
+                <a:sym typeface="Helvetica"/>
+              </a:rPr>
+              <a:t>А затем мы хотим подготовить специализированные версии, которые позволят </a:t>
+            </a:r>
+            <a:r>
+              <a:rPr lang="ru-RU" sz="4000" dirty="0" smtClean="0">
+                <a:sym typeface="Helvetica"/>
+              </a:rPr>
+              <a:t>общаться </a:t>
+            </a:r>
+            <a:r>
+              <a:rPr lang="ru-RU" sz="4000" dirty="0">
+                <a:sym typeface="Helvetica"/>
+              </a:rPr>
+              <a:t>с пользователями других мессенджеров, например, </a:t>
             </a:r>
             <a:r>
               <a:rPr lang="ru-RU" sz="4000" dirty="0" err="1">
-                <a:latin typeface="+mj-lt"/>
                 <a:sym typeface="Helvetica"/>
               </a:rPr>
               <a:t>Viber</a:t>
             </a:r>
             <a:r>
               <a:rPr lang="ru-RU" sz="4000" dirty="0">
-                <a:latin typeface="+mj-lt"/>
                 <a:sym typeface="Helvetica"/>
               </a:rPr>
               <a:t>.</a:t>
             </a:r>
+            <a:endParaRPr lang="ru-RU" sz="4000" dirty="0">
+              <a:latin typeface="+mj-lt"/>
+              <a:sym typeface="Helvetica"/>
+            </a:endParaRPr>
           </a:p>
         </p:txBody>
       </p:sp>
@@ -33754,7 +33558,7 @@
           </a:ln>
           <a:extLst>
             <a:ext uri="{C572A759-6A51-4108-AA02-DFA0A04FC94B}">
-              <ma14:wrappingTextBoxFlag xmlns:ma14="http://schemas.microsoft.com/office/mac/drawingml/2011/main" xmlns:a14="http://schemas.microsoft.com/office/drawing/2010/main" xmlns:m="http://schemas.openxmlformats.org/officeDocument/2006/math" xmlns="" val="1"/>
+              <ma14:wrappingTextBoxFlag xmlns="" xmlns:m="http://schemas.openxmlformats.org/officeDocument/2006/math" xmlns:a14="http://schemas.microsoft.com/office/drawing/2010/main" xmlns:ma14="http://schemas.microsoft.com/office/mac/drawingml/2011/main" val="1"/>
             </a:ext>
           </a:extLst>
         </p:spPr>
@@ -33877,7 +33681,7 @@
           </a:ln>
           <a:extLst>
             <a:ext uri="{C572A759-6A51-4108-AA02-DFA0A04FC94B}">
-              <ma14:wrappingTextBoxFlag xmlns:ma14="http://schemas.microsoft.com/office/mac/drawingml/2011/main" xmlns:a14="http://schemas.microsoft.com/office/drawing/2010/main" xmlns:m="http://schemas.openxmlformats.org/officeDocument/2006/math" xmlns="" val="1"/>
+              <ma14:wrappingTextBoxFlag xmlns="" xmlns:m="http://schemas.openxmlformats.org/officeDocument/2006/math" xmlns:a14="http://schemas.microsoft.com/office/drawing/2010/main" xmlns:ma14="http://schemas.microsoft.com/office/mac/drawingml/2011/main" val="1"/>
             </a:ext>
           </a:extLst>
         </p:spPr>
